--- a/WebDev-00-Introducción.pptx
+++ b/WebDev-00-Introducción.pptx
@@ -219,7 +219,7 @@
           <a:p>
             <a:fld id="{4DB897FE-AC85-4059-92E4-10C4313254ED}" type="datetimeFigureOut">
               <a:rPr lang="en-US" smtClean="0"/>
-              <a:t>2/1/2022</a:t>
+              <a:t>8/21/2023</a:t>
             </a:fld>
             <a:endParaRPr lang="en-US"/>
           </a:p>
@@ -283,38 +283,37 @@
           <a:p>
             <a:pPr lvl="0"/>
             <a:r>
-              <a:rPr lang="en-US" smtClean="0"/>
+              <a:rPr lang="en-US"/>
               <a:t>Click to edit Master text styles</a:t>
             </a:r>
           </a:p>
           <a:p>
             <a:pPr lvl="1"/>
             <a:r>
-              <a:rPr lang="en-US" smtClean="0"/>
+              <a:rPr lang="en-US"/>
               <a:t>Second level</a:t>
             </a:r>
           </a:p>
           <a:p>
             <a:pPr lvl="2"/>
             <a:r>
-              <a:rPr lang="en-US" smtClean="0"/>
+              <a:rPr lang="en-US"/>
               <a:t>Third level</a:t>
             </a:r>
           </a:p>
           <a:p>
             <a:pPr lvl="3"/>
             <a:r>
-              <a:rPr lang="en-US" smtClean="0"/>
+              <a:rPr lang="en-US"/>
               <a:t>Fourth level</a:t>
             </a:r>
           </a:p>
           <a:p>
             <a:pPr lvl="4"/>
             <a:r>
-              <a:rPr lang="en-US" smtClean="0"/>
+              <a:rPr lang="en-US"/>
               <a:t>Fifth level</a:t>
             </a:r>
-            <a:endParaRPr lang="en-US"/>
           </a:p>
         </p:txBody>
       </p:sp>
@@ -620,31 +619,31 @@
               <a:buChar char="-"/>
             </a:pPr>
             <a:r>
-              <a:rPr lang="en-US" dirty="0" smtClean="0"/>
+              <a:rPr lang="en-US" dirty="0"/>
               <a:t>WEB </a:t>
             </a:r>
             <a:r>
-              <a:rPr lang="en-US" dirty="0" err="1" smtClean="0"/>
+              <a:rPr lang="en-US" dirty="0" err="1"/>
               <a:t>es</a:t>
             </a:r>
             <a:r>
-              <a:rPr lang="en-US" dirty="0" smtClean="0"/>
+              <a:rPr lang="en-US" dirty="0"/>
               <a:t> lo que se </a:t>
             </a:r>
             <a:r>
-              <a:rPr lang="en-US" dirty="0" err="1" smtClean="0"/>
+              <a:rPr lang="en-US" dirty="0" err="1"/>
               <a:t>publica</a:t>
             </a:r>
             <a:r>
-              <a:rPr lang="en-US" dirty="0" smtClean="0"/>
+              <a:rPr lang="en-US" dirty="0"/>
               <a:t> </a:t>
             </a:r>
             <a:r>
-              <a:rPr lang="en-US" dirty="0" err="1" smtClean="0"/>
+              <a:rPr lang="en-US" dirty="0" err="1"/>
               <a:t>utilizando</a:t>
             </a:r>
             <a:r>
-              <a:rPr lang="en-US" dirty="0" smtClean="0"/>
+              <a:rPr lang="en-US" dirty="0"/>
               <a:t> protocol HTTP </a:t>
             </a:r>
           </a:p>
@@ -654,83 +653,83 @@
               <a:buChar char="-"/>
             </a:pPr>
             <a:r>
-              <a:rPr lang="en-US" dirty="0" err="1" smtClean="0"/>
+              <a:rPr lang="en-US" dirty="0" err="1"/>
               <a:t>Aplicacion</a:t>
             </a:r>
             <a:r>
-              <a:rPr lang="en-US" baseline="0" dirty="0" smtClean="0"/>
+              <a:rPr lang="en-US" baseline="0" dirty="0"/>
               <a:t> Web: Una </a:t>
             </a:r>
             <a:r>
-              <a:rPr lang="en-US" baseline="0" dirty="0" err="1" smtClean="0"/>
+              <a:rPr lang="en-US" baseline="0" dirty="0" err="1"/>
               <a:t>aplicacion</a:t>
             </a:r>
             <a:r>
-              <a:rPr lang="en-US" baseline="0" dirty="0" smtClean="0"/>
+              <a:rPr lang="en-US" baseline="0" dirty="0"/>
               <a:t> , Sistema que </a:t>
             </a:r>
             <a:r>
-              <a:rPr lang="en-US" baseline="0" dirty="0" err="1" smtClean="0"/>
+              <a:rPr lang="en-US" baseline="0" dirty="0" err="1"/>
               <a:t>o</a:t>
             </a:r>
             <a:r>
-              <a:rPr lang="en-US" dirty="0" err="1" smtClean="0"/>
+              <a:rPr lang="en-US" dirty="0" err="1"/>
               <a:t>frece</a:t>
             </a:r>
             <a:r>
-              <a:rPr lang="en-US" dirty="0" smtClean="0"/>
+              <a:rPr lang="en-US" dirty="0"/>
               <a:t> </a:t>
             </a:r>
             <a:r>
-              <a:rPr lang="en-US" dirty="0" err="1" smtClean="0"/>
+              <a:rPr lang="en-US" dirty="0" err="1"/>
               <a:t>servicios</a:t>
             </a:r>
             <a:r>
-              <a:rPr lang="en-US" dirty="0" smtClean="0"/>
+              <a:rPr lang="en-US" dirty="0"/>
               <a:t> </a:t>
             </a:r>
             <a:r>
-              <a:rPr lang="en-US" dirty="0" err="1" smtClean="0"/>
+              <a:rPr lang="en-US" dirty="0" err="1"/>
               <a:t>sobre</a:t>
             </a:r>
             <a:r>
-              <a:rPr lang="en-US" dirty="0" smtClean="0"/>
+              <a:rPr lang="en-US" dirty="0"/>
               <a:t> internet o</a:t>
             </a:r>
             <a:r>
-              <a:rPr lang="en-US" baseline="0" dirty="0" smtClean="0"/>
+              <a:rPr lang="en-US" baseline="0" dirty="0"/>
               <a:t> intranet , </a:t>
             </a:r>
             <a:r>
-              <a:rPr lang="en-US" baseline="0" dirty="0" err="1" smtClean="0"/>
+              <a:rPr lang="en-US" baseline="0" dirty="0" err="1"/>
               <a:t>usando</a:t>
             </a:r>
             <a:r>
-              <a:rPr lang="en-US" baseline="0" dirty="0" smtClean="0"/>
+              <a:rPr lang="en-US" baseline="0" dirty="0"/>
               <a:t> </a:t>
             </a:r>
             <a:r>
-              <a:rPr lang="en-US" baseline="0" dirty="0" err="1" smtClean="0"/>
+              <a:rPr lang="en-US" baseline="0" dirty="0" err="1"/>
               <a:t>como</a:t>
             </a:r>
             <a:r>
-              <a:rPr lang="en-US" baseline="0" dirty="0" smtClean="0"/>
+              <a:rPr lang="en-US" baseline="0" dirty="0"/>
               <a:t> </a:t>
             </a:r>
             <a:r>
-              <a:rPr lang="en-US" baseline="0" dirty="0" err="1" smtClean="0"/>
+              <a:rPr lang="en-US" baseline="0" dirty="0" err="1"/>
               <a:t>medio</a:t>
             </a:r>
             <a:r>
-              <a:rPr lang="en-US" baseline="0" dirty="0" smtClean="0"/>
+              <a:rPr lang="en-US" baseline="0" dirty="0"/>
               <a:t> de </a:t>
             </a:r>
             <a:r>
-              <a:rPr lang="en-US" baseline="0" dirty="0" err="1" smtClean="0"/>
+              <a:rPr lang="en-US" baseline="0" dirty="0" err="1"/>
               <a:t>transporte</a:t>
             </a:r>
             <a:r>
-              <a:rPr lang="en-US" baseline="0" dirty="0" smtClean="0"/>
+              <a:rPr lang="en-US" baseline="0" dirty="0"/>
               <a:t> el protocol HTTP</a:t>
             </a:r>
           </a:p>
@@ -740,127 +739,127 @@
               <a:buChar char="-"/>
             </a:pPr>
             <a:r>
-              <a:rPr lang="en-US" baseline="0" dirty="0" smtClean="0"/>
+              <a:rPr lang="en-US" baseline="0" dirty="0"/>
               <a:t>Una </a:t>
             </a:r>
             <a:r>
-              <a:rPr lang="en-US" baseline="0" dirty="0" err="1" smtClean="0"/>
+              <a:rPr lang="en-US" baseline="0" dirty="0" err="1"/>
               <a:t>aplicacion</a:t>
             </a:r>
             <a:r>
-              <a:rPr lang="en-US" baseline="0" dirty="0" smtClean="0"/>
+              <a:rPr lang="en-US" baseline="0" dirty="0"/>
               <a:t> </a:t>
             </a:r>
             <a:r>
-              <a:rPr lang="en-US" baseline="0" dirty="0" err="1" smtClean="0"/>
+              <a:rPr lang="en-US" baseline="0" dirty="0" err="1"/>
               <a:t>Cliente</a:t>
             </a:r>
             <a:r>
-              <a:rPr lang="en-US" baseline="0" dirty="0" smtClean="0"/>
+              <a:rPr lang="en-US" baseline="0" dirty="0"/>
               <a:t> </a:t>
             </a:r>
             <a:r>
-              <a:rPr lang="en-US" baseline="0" dirty="0" err="1" smtClean="0"/>
+              <a:rPr lang="en-US" baseline="0" dirty="0" err="1"/>
               <a:t>servidor</a:t>
             </a:r>
             <a:r>
-              <a:rPr lang="en-US" baseline="0" dirty="0" smtClean="0"/>
+              <a:rPr lang="en-US" baseline="0" dirty="0"/>
               <a:t> no </a:t>
             </a:r>
             <a:r>
-              <a:rPr lang="en-US" baseline="0" dirty="0" err="1" smtClean="0"/>
+              <a:rPr lang="en-US" baseline="0" dirty="0" err="1"/>
               <a:t>necesariamente</a:t>
             </a:r>
             <a:r>
-              <a:rPr lang="en-US" baseline="0" dirty="0" smtClean="0"/>
+              <a:rPr lang="en-US" baseline="0" dirty="0"/>
               <a:t> </a:t>
             </a:r>
             <a:r>
-              <a:rPr lang="en-US" baseline="0" dirty="0" err="1" smtClean="0"/>
+              <a:rPr lang="en-US" baseline="0" dirty="0" err="1"/>
               <a:t>en</a:t>
             </a:r>
             <a:r>
-              <a:rPr lang="en-US" baseline="0" dirty="0" smtClean="0"/>
+              <a:rPr lang="en-US" baseline="0" dirty="0"/>
               <a:t> WEB, </a:t>
             </a:r>
             <a:r>
-              <a:rPr lang="en-US" baseline="0" dirty="0" err="1" smtClean="0"/>
+              <a:rPr lang="en-US" baseline="0" dirty="0" err="1"/>
               <a:t>pero</a:t>
             </a:r>
             <a:r>
-              <a:rPr lang="en-US" baseline="0" dirty="0" smtClean="0"/>
+              <a:rPr lang="en-US" baseline="0" dirty="0"/>
               <a:t> </a:t>
             </a:r>
             <a:r>
-              <a:rPr lang="en-US" baseline="0" dirty="0" err="1" smtClean="0"/>
+              <a:rPr lang="en-US" baseline="0" dirty="0" err="1"/>
               <a:t>una</a:t>
             </a:r>
             <a:r>
-              <a:rPr lang="en-US" baseline="0" dirty="0" smtClean="0"/>
+              <a:rPr lang="en-US" baseline="0" dirty="0"/>
               <a:t> </a:t>
             </a:r>
             <a:r>
-              <a:rPr lang="en-US" baseline="0" dirty="0" err="1" smtClean="0"/>
+              <a:rPr lang="en-US" baseline="0" dirty="0" err="1"/>
               <a:t>aplicacion</a:t>
             </a:r>
             <a:r>
-              <a:rPr lang="en-US" baseline="0" dirty="0" smtClean="0"/>
+              <a:rPr lang="en-US" baseline="0" dirty="0"/>
               <a:t> Web </a:t>
             </a:r>
             <a:r>
-              <a:rPr lang="en-US" baseline="0" dirty="0" err="1" smtClean="0"/>
+              <a:rPr lang="en-US" baseline="0" dirty="0" err="1"/>
               <a:t>si</a:t>
             </a:r>
             <a:r>
-              <a:rPr lang="en-US" baseline="0" dirty="0" smtClean="0"/>
+              <a:rPr lang="en-US" baseline="0" dirty="0"/>
               <a:t> </a:t>
             </a:r>
             <a:r>
-              <a:rPr lang="en-US" baseline="0" dirty="0" err="1" smtClean="0"/>
+              <a:rPr lang="en-US" baseline="0" dirty="0" err="1"/>
               <a:t>podria</a:t>
             </a:r>
             <a:r>
-              <a:rPr lang="en-US" baseline="0" dirty="0" smtClean="0"/>
+              <a:rPr lang="en-US" baseline="0" dirty="0"/>
               <a:t> </a:t>
             </a:r>
             <a:r>
-              <a:rPr lang="en-US" baseline="0" dirty="0" err="1" smtClean="0"/>
+              <a:rPr lang="en-US" baseline="0" dirty="0" err="1"/>
               <a:t>er</a:t>
             </a:r>
             <a:r>
-              <a:rPr lang="en-US" baseline="0" dirty="0" smtClean="0"/>
+              <a:rPr lang="en-US" baseline="0" dirty="0"/>
               <a:t> similar a </a:t>
             </a:r>
             <a:r>
-              <a:rPr lang="en-US" baseline="0" dirty="0" err="1" smtClean="0"/>
+              <a:rPr lang="en-US" baseline="0" dirty="0" err="1"/>
               <a:t>una</a:t>
             </a:r>
             <a:r>
-              <a:rPr lang="en-US" baseline="0" dirty="0" smtClean="0"/>
+              <a:rPr lang="en-US" baseline="0" dirty="0"/>
               <a:t> </a:t>
             </a:r>
             <a:r>
-              <a:rPr lang="en-US" baseline="0" dirty="0" err="1" smtClean="0"/>
+              <a:rPr lang="en-US" baseline="0" dirty="0" err="1"/>
               <a:t>aplicacion</a:t>
             </a:r>
             <a:r>
-              <a:rPr lang="en-US" baseline="0" dirty="0" smtClean="0"/>
+              <a:rPr lang="en-US" baseline="0" dirty="0"/>
               <a:t> </a:t>
             </a:r>
             <a:r>
-              <a:rPr lang="en-US" baseline="0" dirty="0" err="1" smtClean="0"/>
+              <a:rPr lang="en-US" baseline="0" dirty="0" err="1"/>
               <a:t>Cliente</a:t>
             </a:r>
             <a:r>
-              <a:rPr lang="en-US" baseline="0" dirty="0" smtClean="0"/>
+              <a:rPr lang="en-US" baseline="0" dirty="0"/>
               <a:t> </a:t>
             </a:r>
             <a:r>
-              <a:rPr lang="en-US" baseline="0" dirty="0" err="1" smtClean="0"/>
+              <a:rPr lang="en-US" baseline="0" dirty="0" err="1"/>
               <a:t>servidor</a:t>
             </a:r>
             <a:r>
-              <a:rPr lang="en-US" baseline="0" dirty="0" smtClean="0"/>
+              <a:rPr lang="en-US" baseline="0" dirty="0"/>
               <a:t>.</a:t>
             </a:r>
           </a:p>
@@ -870,71 +869,71 @@
               <a:buChar char="-"/>
             </a:pPr>
             <a:r>
-              <a:rPr lang="en-US" baseline="0" dirty="0" smtClean="0"/>
+              <a:rPr lang="en-US" baseline="0" dirty="0"/>
               <a:t>Una Intranet </a:t>
             </a:r>
             <a:r>
-              <a:rPr lang="en-US" baseline="0" dirty="0" err="1" smtClean="0"/>
+              <a:rPr lang="en-US" baseline="0" dirty="0" err="1"/>
               <a:t>despliega</a:t>
             </a:r>
             <a:r>
-              <a:rPr lang="en-US" baseline="0" dirty="0" smtClean="0"/>
+              <a:rPr lang="en-US" baseline="0" dirty="0"/>
               <a:t> </a:t>
             </a:r>
             <a:r>
-              <a:rPr lang="en-US" baseline="0" dirty="0" err="1" smtClean="0"/>
+              <a:rPr lang="en-US" baseline="0" dirty="0" err="1"/>
               <a:t>sus</a:t>
             </a:r>
             <a:r>
-              <a:rPr lang="en-US" baseline="0" dirty="0" smtClean="0"/>
+              <a:rPr lang="en-US" baseline="0" dirty="0"/>
               <a:t> </a:t>
             </a:r>
             <a:r>
-              <a:rPr lang="en-US" baseline="0" dirty="0" err="1" smtClean="0"/>
+              <a:rPr lang="en-US" baseline="0" dirty="0" err="1"/>
               <a:t>servicios</a:t>
             </a:r>
             <a:r>
-              <a:rPr lang="en-US" baseline="0" dirty="0" smtClean="0"/>
+              <a:rPr lang="en-US" baseline="0" dirty="0"/>
               <a:t> </a:t>
             </a:r>
             <a:r>
-              <a:rPr lang="en-US" baseline="0" dirty="0" err="1" smtClean="0"/>
+              <a:rPr lang="en-US" baseline="0" dirty="0" err="1"/>
               <a:t>dentro</a:t>
             </a:r>
             <a:r>
-              <a:rPr lang="en-US" baseline="0" dirty="0" smtClean="0"/>
+              <a:rPr lang="en-US" baseline="0" dirty="0"/>
               <a:t> de </a:t>
             </a:r>
             <a:r>
-              <a:rPr lang="en-US" baseline="0" dirty="0" err="1" smtClean="0"/>
+              <a:rPr lang="en-US" baseline="0" dirty="0" err="1"/>
               <a:t>una</a:t>
             </a:r>
             <a:r>
-              <a:rPr lang="en-US" baseline="0" dirty="0" smtClean="0"/>
+              <a:rPr lang="en-US" baseline="0" dirty="0"/>
               <a:t> red local, </a:t>
             </a:r>
             <a:r>
-              <a:rPr lang="en-US" baseline="0" dirty="0" err="1" smtClean="0"/>
+              <a:rPr lang="en-US" baseline="0" dirty="0" err="1"/>
               <a:t>pero</a:t>
             </a:r>
             <a:r>
-              <a:rPr lang="en-US" baseline="0" dirty="0" smtClean="0"/>
+              <a:rPr lang="en-US" baseline="0" dirty="0"/>
               <a:t> </a:t>
             </a:r>
             <a:r>
-              <a:rPr lang="en-US" baseline="0" dirty="0" err="1" smtClean="0"/>
+              <a:rPr lang="en-US" baseline="0" dirty="0" err="1"/>
               <a:t>usando</a:t>
             </a:r>
             <a:r>
-              <a:rPr lang="en-US" baseline="0" dirty="0" smtClean="0"/>
+              <a:rPr lang="en-US" baseline="0" dirty="0"/>
               <a:t> </a:t>
             </a:r>
             <a:r>
-              <a:rPr lang="en-US" baseline="0" dirty="0" err="1" smtClean="0"/>
+              <a:rPr lang="en-US" baseline="0" dirty="0" err="1"/>
               <a:t>servicios</a:t>
             </a:r>
             <a:r>
-              <a:rPr lang="en-US" baseline="0" dirty="0" smtClean="0"/>
+              <a:rPr lang="en-US" baseline="0" dirty="0"/>
               <a:t> Web </a:t>
             </a:r>
           </a:p>
@@ -944,11 +943,11 @@
               <a:buChar char="-"/>
             </a:pPr>
             <a:r>
-              <a:rPr lang="en-US" baseline="0" dirty="0" smtClean="0"/>
+              <a:rPr lang="en-US" baseline="0" dirty="0"/>
               <a:t>Un </a:t>
             </a:r>
             <a:r>
-              <a:rPr lang="es-ES" sz="1200" b="0" i="0" kern="1200" dirty="0" smtClean="0">
+              <a:rPr lang="es-ES" sz="1200" b="0" i="0" kern="1200" dirty="0">
                 <a:solidFill>
                   <a:schemeClr val="tx1"/>
                 </a:solidFill>
@@ -979,97 +978,97 @@
               <a:defRPr/>
             </a:pPr>
             <a:r>
-              <a:rPr lang="en-US" baseline="0" dirty="0" smtClean="0"/>
+              <a:rPr lang="en-US" baseline="0" dirty="0"/>
               <a:t>Un Portal Web </a:t>
             </a:r>
             <a:r>
-              <a:rPr lang="en-US" baseline="0" dirty="0" err="1" smtClean="0"/>
+              <a:rPr lang="en-US" baseline="0" dirty="0" err="1"/>
               <a:t>es</a:t>
             </a:r>
             <a:r>
-              <a:rPr lang="en-US" baseline="0" dirty="0" smtClean="0"/>
+              <a:rPr lang="en-US" baseline="0" dirty="0"/>
               <a:t> el </a:t>
             </a:r>
             <a:r>
-              <a:rPr lang="en-US" baseline="0" dirty="0" err="1" smtClean="0"/>
+              <a:rPr lang="en-US" baseline="0" dirty="0" err="1"/>
               <a:t>conjunto</a:t>
             </a:r>
             <a:r>
-              <a:rPr lang="en-US" baseline="0" dirty="0" smtClean="0"/>
+              <a:rPr lang="en-US" baseline="0" dirty="0"/>
               <a:t> de multiples </a:t>
             </a:r>
             <a:r>
-              <a:rPr lang="en-US" baseline="0" dirty="0" err="1" smtClean="0"/>
+              <a:rPr lang="en-US" baseline="0" dirty="0" err="1"/>
               <a:t>servicios</a:t>
             </a:r>
             <a:r>
-              <a:rPr lang="en-US" baseline="0" dirty="0" smtClean="0"/>
+              <a:rPr lang="en-US" baseline="0" dirty="0"/>
               <a:t> </a:t>
             </a:r>
             <a:r>
-              <a:rPr lang="en-US" baseline="0" dirty="0" err="1" smtClean="0"/>
+              <a:rPr lang="en-US" baseline="0" dirty="0" err="1"/>
               <a:t>pra</a:t>
             </a:r>
             <a:r>
-              <a:rPr lang="en-US" baseline="0" dirty="0" smtClean="0"/>
+              <a:rPr lang="en-US" baseline="0" dirty="0"/>
               <a:t> </a:t>
             </a:r>
             <a:r>
-              <a:rPr lang="en-US" baseline="0" dirty="0" err="1" smtClean="0"/>
+              <a:rPr lang="en-US" baseline="0" dirty="0" err="1"/>
               <a:t>una</a:t>
             </a:r>
             <a:r>
-              <a:rPr lang="en-US" baseline="0" dirty="0" smtClean="0"/>
+              <a:rPr lang="en-US" baseline="0" dirty="0"/>
               <a:t> </a:t>
             </a:r>
             <a:r>
-              <a:rPr lang="en-US" baseline="0" dirty="0" err="1" smtClean="0"/>
+              <a:rPr lang="en-US" baseline="0" dirty="0" err="1"/>
               <a:t>audiencia</a:t>
             </a:r>
             <a:r>
-              <a:rPr lang="en-US" baseline="0" dirty="0" smtClean="0"/>
+              <a:rPr lang="en-US" baseline="0" dirty="0"/>
               <a:t> </a:t>
             </a:r>
             <a:r>
-              <a:rPr lang="en-US" baseline="0" dirty="0" err="1" smtClean="0"/>
+              <a:rPr lang="en-US" baseline="0" dirty="0" err="1"/>
               <a:t>en</a:t>
             </a:r>
             <a:r>
-              <a:rPr lang="en-US" baseline="0" dirty="0" smtClean="0"/>
+              <a:rPr lang="en-US" baseline="0" dirty="0"/>
               <a:t> particular que se </a:t>
             </a:r>
             <a:r>
-              <a:rPr lang="en-US" baseline="0" dirty="0" err="1" smtClean="0"/>
+              <a:rPr lang="en-US" baseline="0" dirty="0" err="1"/>
               <a:t>consolidad</a:t>
             </a:r>
             <a:r>
-              <a:rPr lang="en-US" baseline="0" dirty="0" smtClean="0"/>
+              <a:rPr lang="en-US" baseline="0" dirty="0"/>
               <a:t> </a:t>
             </a:r>
             <a:r>
-              <a:rPr lang="en-US" baseline="0" dirty="0" err="1" smtClean="0"/>
+              <a:rPr lang="en-US" baseline="0" dirty="0" err="1"/>
               <a:t>en</a:t>
             </a:r>
             <a:r>
-              <a:rPr lang="en-US" baseline="0" dirty="0" smtClean="0"/>
+              <a:rPr lang="en-US" baseline="0" dirty="0"/>
               <a:t> solo </a:t>
             </a:r>
             <a:r>
-              <a:rPr lang="en-US" baseline="0" dirty="0" err="1" smtClean="0"/>
+              <a:rPr lang="en-US" baseline="0" dirty="0" err="1"/>
               <a:t>sitio</a:t>
             </a:r>
             <a:r>
-              <a:rPr lang="en-US" baseline="0" dirty="0" smtClean="0"/>
+              <a:rPr lang="en-US" baseline="0" dirty="0"/>
               <a:t> web.</a:t>
             </a:r>
-            <a:endParaRPr lang="en-US" dirty="0" smtClean="0"/>
+            <a:endParaRPr lang="en-US" dirty="0"/>
           </a:p>
           <a:p>
             <a:pPr marL="0" indent="0">
               <a:buFontTx/>
               <a:buNone/>
             </a:pPr>
-            <a:endParaRPr lang="en-US" baseline="0" dirty="0" smtClean="0"/>
+            <a:endParaRPr lang="en-US" baseline="0" dirty="0"/>
           </a:p>
           <a:p>
             <a:pPr marL="0" indent="0">
@@ -1077,7 +1076,7 @@
               <a:buNone/>
             </a:pPr>
             <a:r>
-              <a:rPr lang="en-US" b="1" baseline="0" dirty="0" smtClean="0"/>
+              <a:rPr lang="en-US" b="1" baseline="0" dirty="0"/>
               <a:t>WEB</a:t>
             </a:r>
           </a:p>
@@ -1087,7 +1086,7 @@
               <a:buNone/>
             </a:pPr>
             <a:r>
-              <a:rPr lang="en-US" baseline="0" dirty="0" smtClean="0"/>
+              <a:rPr lang="en-US" baseline="0" dirty="0"/>
               <a:t>https://www.significados.com/web/</a:t>
             </a:r>
           </a:p>
@@ -1096,7 +1095,7 @@
               <a:buFontTx/>
               <a:buNone/>
             </a:pPr>
-            <a:endParaRPr lang="en-US" baseline="0" dirty="0" smtClean="0"/>
+            <a:endParaRPr lang="en-US" baseline="0" dirty="0"/>
           </a:p>
           <a:p>
             <a:pPr marL="0" indent="0">
@@ -1104,7 +1103,7 @@
               <a:buNone/>
             </a:pPr>
             <a:r>
-              <a:rPr lang="es-ES" sz="1200" b="0" i="0" kern="1200" dirty="0" smtClean="0">
+              <a:rPr lang="es-ES" sz="1200" b="0" i="0" kern="1200" dirty="0">
                 <a:solidFill>
                   <a:schemeClr val="tx1"/>
                 </a:solidFill>
@@ -1116,7 +1115,7 @@
               <a:t>La web es el </a:t>
             </a:r>
             <a:r>
-              <a:rPr lang="es-ES" sz="1200" b="1" i="0" kern="1200" dirty="0" smtClean="0">
+              <a:rPr lang="es-ES" sz="1200" b="1" i="0" kern="1200" dirty="0">
                 <a:solidFill>
                   <a:schemeClr val="tx1"/>
                 </a:solidFill>
@@ -1128,7 +1127,7 @@
               <a:t>diminutivo de </a:t>
             </a:r>
             <a:r>
-              <a:rPr lang="es-ES" sz="1200" b="1" i="1" kern="1200" dirty="0" err="1" smtClean="0">
+              <a:rPr lang="es-ES" sz="1200" b="1" i="1" kern="1200" dirty="0" err="1">
                 <a:solidFill>
                   <a:schemeClr val="tx1"/>
                 </a:solidFill>
@@ -1140,7 +1139,7 @@
               <a:t>world</a:t>
             </a:r>
             <a:r>
-              <a:rPr lang="es-ES" sz="1200" b="1" i="1" kern="1200" dirty="0" smtClean="0">
+              <a:rPr lang="es-ES" sz="1200" b="1" i="1" kern="1200" dirty="0">
                 <a:solidFill>
                   <a:schemeClr val="tx1"/>
                 </a:solidFill>
@@ -1152,7 +1151,7 @@
               <a:t> </a:t>
             </a:r>
             <a:r>
-              <a:rPr lang="es-ES" sz="1200" b="1" i="1" kern="1200" dirty="0" err="1" smtClean="0">
+              <a:rPr lang="es-ES" sz="1200" b="1" i="1" kern="1200" dirty="0" err="1">
                 <a:solidFill>
                   <a:schemeClr val="tx1"/>
                 </a:solidFill>
@@ -1164,7 +1163,7 @@
               <a:t>wide</a:t>
             </a:r>
             <a:r>
-              <a:rPr lang="es-ES" sz="1200" b="1" i="1" kern="1200" dirty="0" smtClean="0">
+              <a:rPr lang="es-ES" sz="1200" b="1" i="1" kern="1200" dirty="0">
                 <a:solidFill>
                   <a:schemeClr val="tx1"/>
                 </a:solidFill>
@@ -1176,7 +1175,7 @@
               <a:t> web</a:t>
             </a:r>
             <a:r>
-              <a:rPr lang="es-ES" sz="1200" b="1" i="0" kern="1200" dirty="0" smtClean="0">
+              <a:rPr lang="es-ES" sz="1200" b="1" i="0" kern="1200" dirty="0">
                 <a:solidFill>
                   <a:schemeClr val="tx1"/>
                 </a:solidFill>
@@ -1188,7 +1187,7 @@
               <a:t> o www</a:t>
             </a:r>
             <a:r>
-              <a:rPr lang="es-ES" sz="1200" b="0" i="0" kern="1200" dirty="0" smtClean="0">
+              <a:rPr lang="es-ES" sz="1200" b="0" i="0" kern="1200" dirty="0">
                 <a:solidFill>
                   <a:schemeClr val="tx1"/>
                 </a:solidFill>
@@ -1200,7 +1199,7 @@
               <a:t> cuyas tecnologías para su funcionamiento (HTML, URL, HTTP) fueron desarrolladas en el año 1990 por Tim </a:t>
             </a:r>
             <a:r>
-              <a:rPr lang="es-ES" sz="1200" b="0" i="0" kern="1200" dirty="0" err="1" smtClean="0">
+              <a:rPr lang="es-ES" sz="1200" b="0" i="0" kern="1200" dirty="0" err="1">
                 <a:solidFill>
                   <a:schemeClr val="tx1"/>
                 </a:solidFill>
@@ -1212,7 +1211,7 @@
               <a:t>Berners</a:t>
             </a:r>
             <a:r>
-              <a:rPr lang="es-ES" sz="1200" b="0" i="0" kern="1200" dirty="0" smtClean="0">
+              <a:rPr lang="es-ES" sz="1200" b="0" i="0" kern="1200" dirty="0">
                 <a:solidFill>
                   <a:schemeClr val="tx1"/>
                 </a:solidFill>
@@ -1223,14 +1222,14 @@
               </a:rPr>
               <a:t> Lee.</a:t>
             </a:r>
-            <a:endParaRPr lang="en-US" baseline="0" dirty="0" smtClean="0"/>
+            <a:endParaRPr lang="en-US" baseline="0" dirty="0"/>
           </a:p>
           <a:p>
             <a:pPr marL="0" indent="0">
               <a:buFontTx/>
               <a:buNone/>
             </a:pPr>
-            <a:endParaRPr lang="en-US" baseline="0" dirty="0" smtClean="0"/>
+            <a:endParaRPr lang="en-US" baseline="0" dirty="0"/>
           </a:p>
           <a:p>
             <a:pPr marL="0" indent="0">
@@ -1238,7 +1237,7 @@
               <a:buNone/>
             </a:pPr>
             <a:r>
-              <a:rPr lang="es-ES" b="1" baseline="0" dirty="0" smtClean="0"/>
+              <a:rPr lang="es-ES" b="1" baseline="0" dirty="0"/>
               <a:t>¿Qué es un Sitio Web?</a:t>
             </a:r>
           </a:p>
@@ -1248,7 +1247,7 @@
               <a:buNone/>
             </a:pPr>
             <a:r>
-              <a:rPr lang="es-ES" baseline="0" dirty="0" smtClean="0"/>
+              <a:rPr lang="es-ES" baseline="0" dirty="0"/>
               <a:t>https://upanama.e-ducativa.com/archivos/repositorio/6000/6126/html/3_qu_es_.htm </a:t>
             </a:r>
           </a:p>
@@ -1257,7 +1256,7 @@
               <a:buFontTx/>
               <a:buNone/>
             </a:pPr>
-            <a:endParaRPr lang="es-ES" baseline="0" dirty="0" smtClean="0"/>
+            <a:endParaRPr lang="es-ES" baseline="0" dirty="0"/>
           </a:p>
           <a:p>
             <a:pPr marL="0" indent="0">
@@ -1265,7 +1264,7 @@
               <a:buNone/>
             </a:pPr>
             <a:r>
-              <a:rPr lang="es-ES" b="1" baseline="0" dirty="0" smtClean="0"/>
+              <a:rPr lang="es-ES" b="1" baseline="0" dirty="0"/>
               <a:t>¿Qué es un Portal Web?</a:t>
             </a:r>
           </a:p>
@@ -1275,7 +1274,7 @@
               <a:buNone/>
             </a:pPr>
             <a:r>
-              <a:rPr lang="es-ES" baseline="0" dirty="0" smtClean="0"/>
+              <a:rPr lang="es-ES" baseline="0" dirty="0"/>
               <a:t>https://www.liferay.com/es/resources/l/web-portal</a:t>
             </a:r>
           </a:p>
@@ -1284,7 +1283,7 @@
               <a:buFontTx/>
               <a:buNone/>
             </a:pPr>
-            <a:endParaRPr lang="es-ES" baseline="0" dirty="0" smtClean="0"/>
+            <a:endParaRPr lang="es-ES" baseline="0" dirty="0"/>
           </a:p>
           <a:p>
             <a:pPr marL="0" indent="0">
@@ -1292,7 +1291,7 @@
               <a:buNone/>
             </a:pPr>
             <a:r>
-              <a:rPr lang="es-ES" b="1" baseline="0" dirty="0" smtClean="0"/>
+              <a:rPr lang="es-ES" b="1" baseline="0" dirty="0"/>
               <a:t>Diferencia entre sitio web y portal</a:t>
             </a:r>
           </a:p>
@@ -1302,7 +1301,7 @@
               <a:buNone/>
             </a:pPr>
             <a:r>
-              <a:rPr lang="es-ES" baseline="0" dirty="0" smtClean="0"/>
+              <a:rPr lang="es-ES" baseline="0" dirty="0"/>
               <a:t>https://diferenciario.com/sitio-web-y-portal/</a:t>
             </a:r>
           </a:p>
@@ -1312,7 +1311,7 @@
               <a:buNone/>
             </a:pPr>
             <a:r>
-              <a:rPr lang="es-ES" baseline="0" dirty="0" smtClean="0"/>
+              <a:rPr lang="es-ES" baseline="0" dirty="0"/>
               <a:t>https://es.gadget-info.com/difference-between-website</a:t>
             </a:r>
           </a:p>
@@ -1399,19 +1398,19 @@
           <a:lstStyle/>
           <a:p>
             <a:r>
-              <a:rPr lang="es-ES" dirty="0" smtClean="0"/>
+              <a:rPr lang="es-ES" dirty="0"/>
               <a:t>¿Qué es el desarrollo web?</a:t>
             </a:r>
           </a:p>
           <a:p>
             <a:r>
-              <a:rPr lang="es-ES" dirty="0" smtClean="0"/>
+              <a:rPr lang="es-ES" dirty="0"/>
               <a:t>https://blog.openclassrooms.com/es/2017/09/11/que-es-el-desarrollo-web/</a:t>
             </a:r>
           </a:p>
           <a:p>
             <a:r>
-              <a:rPr lang="es-ES" dirty="0" smtClean="0"/>
+              <a:rPr lang="es-ES" dirty="0"/>
               <a:t>https://es.wikipedia.org/wiki/Desarrollo_web</a:t>
             </a:r>
             <a:endParaRPr lang="en-US" dirty="0"/>
@@ -1503,7 +1502,7 @@
               <a:buChar char="-"/>
             </a:pPr>
             <a:r>
-              <a:rPr lang="es-ES" sz="1200" b="0" i="0" kern="1200" dirty="0" smtClean="0">
+              <a:rPr lang="es-ES" sz="1200" b="0" i="0" kern="1200" dirty="0">
                 <a:solidFill>
                   <a:schemeClr val="tx1"/>
                 </a:solidFill>
@@ -1515,7 +1514,7 @@
               <a:t>Un desarrollador </a:t>
             </a:r>
             <a:r>
-              <a:rPr lang="es-ES" sz="1200" b="1" i="0" kern="1200" dirty="0" err="1" smtClean="0">
+              <a:rPr lang="es-ES" sz="1200" b="1" i="0" kern="1200" dirty="0" err="1">
                 <a:solidFill>
                   <a:schemeClr val="tx1"/>
                 </a:solidFill>
@@ -1527,7 +1526,7 @@
               <a:t>Frontend</a:t>
             </a:r>
             <a:r>
-              <a:rPr lang="es-ES" sz="1200" b="1" i="0" kern="1200" dirty="0" smtClean="0">
+              <a:rPr lang="es-ES" sz="1200" b="1" i="0" kern="1200" dirty="0">
                 <a:solidFill>
                   <a:schemeClr val="tx1"/>
                 </a:solidFill>
@@ -1539,7 +1538,7 @@
               <a:t> </a:t>
             </a:r>
             <a:r>
-              <a:rPr lang="es-ES" sz="1200" b="0" i="0" kern="1200" dirty="0" smtClean="0">
+              <a:rPr lang="es-ES" sz="1200" b="0" i="0" kern="1200" dirty="0">
                 <a:solidFill>
                   <a:schemeClr val="tx1"/>
                 </a:solidFill>
@@ -1551,7 +1550,7 @@
               <a:t>se encarga de la composición, diseño e interactividad usando HTML, CSS y JavaScript. El desarrollador </a:t>
             </a:r>
             <a:r>
-              <a:rPr lang="es-ES" sz="1200" b="0" i="0" kern="1200" dirty="0" err="1" smtClean="0">
+              <a:rPr lang="es-ES" sz="1200" b="0" i="0" kern="1200" dirty="0" err="1">
                 <a:solidFill>
                   <a:schemeClr val="tx1"/>
                 </a:solidFill>
@@ -1563,7 +1562,7 @@
               <a:t>Frontend</a:t>
             </a:r>
             <a:r>
-              <a:rPr lang="es-ES" sz="1200" b="0" i="0" kern="1200" dirty="0" smtClean="0">
+              <a:rPr lang="es-ES" sz="1200" b="0" i="0" kern="1200" dirty="0">
                 <a:solidFill>
                   <a:schemeClr val="tx1"/>
                 </a:solidFill>
@@ -1575,7 +1574,7 @@
               <a:t> toma una idea y la convierte en realidad. Lo que ves y lo que usas, como por ejemplo el aspecto visual del sitio web, los menús desplegables y el texto, son creados por el desarrollador </a:t>
             </a:r>
             <a:r>
-              <a:rPr lang="es-ES" sz="1200" b="0" i="0" kern="1200" dirty="0" err="1" smtClean="0">
+              <a:rPr lang="es-ES" sz="1200" b="0" i="0" kern="1200" dirty="0" err="1">
                 <a:solidFill>
                   <a:schemeClr val="tx1"/>
                 </a:solidFill>
@@ -1587,7 +1586,7 @@
               <a:t>Frontend</a:t>
             </a:r>
             <a:r>
-              <a:rPr lang="es-ES" sz="1200" b="0" i="0" kern="1200" dirty="0" smtClean="0">
+              <a:rPr lang="es-ES" sz="1200" b="0" i="0" kern="1200" dirty="0">
                 <a:solidFill>
                   <a:schemeClr val="tx1"/>
                 </a:solidFill>
@@ -1605,7 +1604,7 @@
               <a:buChar char="-"/>
             </a:pPr>
             <a:r>
-              <a:rPr lang="es-ES" sz="1200" b="0" i="0" kern="1200" dirty="0" smtClean="0">
+              <a:rPr lang="es-ES" sz="1200" b="0" i="0" kern="1200" dirty="0">
                 <a:solidFill>
                   <a:schemeClr val="tx1"/>
                 </a:solidFill>
@@ -1617,7 +1616,7 @@
               <a:t>El desarrollador </a:t>
             </a:r>
             <a:r>
-              <a:rPr lang="es-ES" sz="1200" b="1" i="0" kern="1200" dirty="0" err="1" smtClean="0">
+              <a:rPr lang="es-ES" sz="1200" b="1" i="0" kern="1200" dirty="0" err="1">
                 <a:solidFill>
                   <a:schemeClr val="tx1"/>
                 </a:solidFill>
@@ -1629,7 +1628,7 @@
               <a:t>Backend</a:t>
             </a:r>
             <a:r>
-              <a:rPr lang="es-ES" sz="1200" b="1" i="0" kern="1200" dirty="0" smtClean="0">
+              <a:rPr lang="es-ES" sz="1200" b="1" i="0" kern="1200" dirty="0">
                 <a:solidFill>
                   <a:schemeClr val="tx1"/>
                 </a:solidFill>
@@ -1641,7 +1640,7 @@
               <a:t> </a:t>
             </a:r>
             <a:r>
-              <a:rPr lang="es-ES" sz="1200" b="0" i="0" kern="1200" dirty="0" smtClean="0">
+              <a:rPr lang="es-ES" sz="1200" b="0" i="0" kern="1200" dirty="0">
                 <a:solidFill>
                   <a:schemeClr val="tx1"/>
                 </a:solidFill>
@@ -1653,7 +1652,7 @@
               <a:t>se encarga de lo que no se ve, es decir, dónde se almacenan los datos. Sin datos no hay </a:t>
             </a:r>
             <a:r>
-              <a:rPr lang="es-ES" sz="1200" b="0" i="0" kern="1200" dirty="0" err="1" smtClean="0">
+              <a:rPr lang="es-ES" sz="1200" b="0" i="0" kern="1200" dirty="0" err="1">
                 <a:solidFill>
                   <a:schemeClr val="tx1"/>
                 </a:solidFill>
@@ -1665,7 +1664,7 @@
               <a:t>Frontend</a:t>
             </a:r>
             <a:r>
-              <a:rPr lang="es-ES" sz="1200" b="0" i="0" kern="1200" dirty="0" smtClean="0">
+              <a:rPr lang="es-ES" sz="1200" b="0" i="0" kern="1200" dirty="0">
                 <a:solidFill>
                   <a:schemeClr val="tx1"/>
                 </a:solidFill>
@@ -1677,7 +1676,7 @@
               <a:t>. El </a:t>
             </a:r>
             <a:r>
-              <a:rPr lang="es-ES" sz="1200" b="0" i="0" kern="1200" dirty="0" err="1" smtClean="0">
+              <a:rPr lang="es-ES" sz="1200" b="0" i="0" kern="1200" dirty="0" err="1">
                 <a:solidFill>
                   <a:schemeClr val="tx1"/>
                 </a:solidFill>
@@ -1689,7 +1688,7 @@
               <a:t>Backend</a:t>
             </a:r>
             <a:r>
-              <a:rPr lang="es-ES" sz="1200" b="0" i="0" kern="1200" dirty="0" smtClean="0">
+              <a:rPr lang="es-ES" sz="1200" b="0" i="0" kern="1200" dirty="0">
                 <a:solidFill>
                   <a:schemeClr val="tx1"/>
                 </a:solidFill>
@@ -1701,7 +1700,7 @@
               <a:t> consiste en el servidor que acoge la web, una aplicación para ejecutarlo y una base de datos. El desarrollador </a:t>
             </a:r>
             <a:r>
-              <a:rPr lang="es-ES" sz="1200" b="0" i="0" kern="1200" dirty="0" err="1" smtClean="0">
+              <a:rPr lang="es-ES" sz="1200" b="0" i="0" kern="1200" dirty="0" err="1">
                 <a:solidFill>
                   <a:schemeClr val="tx1"/>
                 </a:solidFill>
@@ -1713,7 +1712,7 @@
               <a:t>Backend</a:t>
             </a:r>
             <a:r>
-              <a:rPr lang="es-ES" sz="1200" b="0" i="0" kern="1200" dirty="0" smtClean="0">
+              <a:rPr lang="es-ES" sz="1200" b="0" i="0" kern="1200" dirty="0">
                 <a:solidFill>
                   <a:schemeClr val="tx1"/>
                 </a:solidFill>
@@ -1731,7 +1730,7 @@
               <a:buChar char="-"/>
             </a:pPr>
             <a:r>
-              <a:rPr lang="es-ES" sz="1200" b="0" i="0" kern="1200" dirty="0" smtClean="0">
+              <a:rPr lang="es-ES" sz="1200" b="0" i="0" kern="1200" dirty="0">
                 <a:solidFill>
                   <a:schemeClr val="tx1"/>
                 </a:solidFill>
@@ -1743,7 +1742,7 @@
               <a:t>Si te interesan tanto el </a:t>
             </a:r>
             <a:r>
-              <a:rPr lang="es-ES" sz="1200" b="0" i="0" kern="1200" dirty="0" err="1" smtClean="0">
+              <a:rPr lang="es-ES" sz="1200" b="0" i="0" kern="1200" dirty="0" err="1">
                 <a:solidFill>
                   <a:schemeClr val="tx1"/>
                 </a:solidFill>
@@ -1755,7 +1754,7 @@
               <a:t>Frontend</a:t>
             </a:r>
             <a:r>
-              <a:rPr lang="es-ES" sz="1200" b="0" i="0" kern="1200" dirty="0" smtClean="0">
+              <a:rPr lang="es-ES" sz="1200" b="0" i="0" kern="1200" dirty="0">
                 <a:solidFill>
                   <a:schemeClr val="tx1"/>
                 </a:solidFill>
@@ -1767,7 +1766,7 @@
               <a:t> como el </a:t>
             </a:r>
             <a:r>
-              <a:rPr lang="es-ES" sz="1200" b="0" i="0" kern="1200" dirty="0" err="1" smtClean="0">
+              <a:rPr lang="es-ES" sz="1200" b="0" i="0" kern="1200" dirty="0" err="1">
                 <a:solidFill>
                   <a:schemeClr val="tx1"/>
                 </a:solidFill>
@@ -1779,7 +1778,7 @@
               <a:t>Backend</a:t>
             </a:r>
             <a:r>
-              <a:rPr lang="es-ES" sz="1200" b="0" i="0" kern="1200" dirty="0" smtClean="0">
+              <a:rPr lang="es-ES" sz="1200" b="0" i="0" kern="1200" dirty="0">
                 <a:solidFill>
                   <a:schemeClr val="tx1"/>
                 </a:solidFill>
@@ -1791,7 +1790,7 @@
               <a:t>, deberías plantearte convertirte en </a:t>
             </a:r>
             <a:r>
-              <a:rPr lang="es-ES" sz="1200" b="0" i="0" kern="1200" dirty="0" err="1" smtClean="0">
+              <a:rPr lang="es-ES" sz="1200" b="0" i="0" kern="1200" dirty="0" err="1">
                 <a:solidFill>
                   <a:schemeClr val="tx1"/>
                 </a:solidFill>
@@ -1803,7 +1802,7 @@
               <a:t>desarrollador·a</a:t>
             </a:r>
             <a:r>
-              <a:rPr lang="es-ES" sz="1200" b="0" i="0" kern="1200" dirty="0" smtClean="0">
+              <a:rPr lang="es-ES" sz="1200" b="0" i="0" kern="1200" dirty="0">
                 <a:solidFill>
                   <a:schemeClr val="tx1"/>
                 </a:solidFill>
@@ -1815,7 +1814,7 @@
               <a:t> </a:t>
             </a:r>
             <a:r>
-              <a:rPr lang="es-ES" sz="1200" b="1" i="0" kern="1200" dirty="0" smtClean="0">
+              <a:rPr lang="es-ES" sz="1200" b="1" i="0" kern="1200" dirty="0">
                 <a:solidFill>
                   <a:schemeClr val="tx1"/>
                 </a:solidFill>
@@ -1827,7 +1826,7 @@
               <a:t>Full-</a:t>
             </a:r>
             <a:r>
-              <a:rPr lang="es-ES" sz="1200" b="1" i="0" kern="1200" dirty="0" err="1" smtClean="0">
+              <a:rPr lang="es-ES" sz="1200" b="1" i="0" kern="1200" dirty="0" err="1">
                 <a:solidFill>
                   <a:schemeClr val="tx1"/>
                 </a:solidFill>
@@ -1839,7 +1838,7 @@
               <a:t>stack</a:t>
             </a:r>
             <a:r>
-              <a:rPr lang="es-ES" sz="1200" b="0" i="0" kern="1200" dirty="0" smtClean="0">
+              <a:rPr lang="es-ES" sz="1200" b="0" i="0" kern="1200" dirty="0">
                 <a:solidFill>
                   <a:schemeClr val="tx1"/>
                 </a:solidFill>
@@ -1851,7 +1850,7 @@
               <a:t>. El desarrollador Full-</a:t>
             </a:r>
             <a:r>
-              <a:rPr lang="es-ES" sz="1200" b="0" i="0" kern="1200" dirty="0" err="1" smtClean="0">
+              <a:rPr lang="es-ES" sz="1200" b="0" i="0" kern="1200" dirty="0" err="1">
                 <a:solidFill>
                   <a:schemeClr val="tx1"/>
                 </a:solidFill>
@@ -1863,7 +1862,7 @@
               <a:t>stack</a:t>
             </a:r>
             <a:r>
-              <a:rPr lang="es-ES" sz="1200" b="0" i="0" kern="1200" dirty="0" smtClean="0">
+              <a:rPr lang="es-ES" sz="1200" b="0" i="0" kern="1200" dirty="0">
                 <a:solidFill>
                   <a:schemeClr val="tx1"/>
                 </a:solidFill>
@@ -1875,7 +1874,7 @@
               <a:t> está a cargo tanto del </a:t>
             </a:r>
             <a:r>
-              <a:rPr lang="es-ES" sz="1200" b="0" i="0" kern="1200" dirty="0" err="1" smtClean="0">
+              <a:rPr lang="es-ES" sz="1200" b="0" i="0" kern="1200" dirty="0" err="1">
                 <a:solidFill>
                   <a:schemeClr val="tx1"/>
                 </a:solidFill>
@@ -1887,7 +1886,7 @@
               <a:t>Frontend</a:t>
             </a:r>
             <a:r>
-              <a:rPr lang="es-ES" sz="1200" b="0" i="0" kern="1200" dirty="0" smtClean="0">
+              <a:rPr lang="es-ES" sz="1200" b="0" i="0" kern="1200" dirty="0">
                 <a:solidFill>
                   <a:schemeClr val="tx1"/>
                 </a:solidFill>
@@ -1899,7 +1898,7 @@
               <a:t> como del </a:t>
             </a:r>
             <a:r>
-              <a:rPr lang="es-ES" sz="1200" b="0" i="0" kern="1200" dirty="0" err="1" smtClean="0">
+              <a:rPr lang="es-ES" sz="1200" b="0" i="0" kern="1200" dirty="0" err="1">
                 <a:solidFill>
                   <a:schemeClr val="tx1"/>
                 </a:solidFill>
@@ -1911,7 +1910,7 @@
               <a:t>Backend</a:t>
             </a:r>
             <a:r>
-              <a:rPr lang="es-ES" sz="1200" b="0" i="0" kern="1200" dirty="0" smtClean="0">
+              <a:rPr lang="es-ES" sz="1200" b="0" i="0" kern="1200" dirty="0">
                 <a:solidFill>
                   <a:schemeClr val="tx1"/>
                 </a:solidFill>
@@ -2081,7 +2080,7 @@
           </a:lstStyle>
           <a:p>
             <a:r>
-              <a:rPr lang="en-US" smtClean="0"/>
+              <a:rPr lang="en-US"/>
               <a:t>Click to edit Master title style</a:t>
             </a:r>
             <a:endParaRPr lang="es-CO"/>
@@ -2200,7 +2199,7 @@
           </a:lstStyle>
           <a:p>
             <a:r>
-              <a:rPr lang="en-US" smtClean="0"/>
+              <a:rPr lang="en-US"/>
               <a:t>Click to edit Master subtitle style</a:t>
             </a:r>
             <a:endParaRPr lang="es-CO"/>
@@ -2225,7 +2224,7 @@
             <a:fld id="{EE425855-FD75-467C-BECD-0927F9A0E82A}" type="datetimeFigureOut">
               <a:rPr lang="es-CO" smtClean="0"/>
               <a:pPr/>
-              <a:t>1/02/2022</a:t>
+              <a:t>21/08/2023</a:t>
             </a:fld>
             <a:endParaRPr lang="es-CO"/>
           </a:p>
@@ -2279,13 +2278,6 @@
   <p:clrMapOvr>
     <a:masterClrMapping/>
   </p:clrMapOvr>
-  <p:timing>
-    <p:tnLst>
-      <p:par>
-        <p:cTn id="1" dur="indefinite" restart="never" nodeType="tmRoot"/>
-      </p:par>
-    </p:tnLst>
-  </p:timing>
 </p:sldLayout>
 </file>
 
@@ -2406,7 +2398,7 @@
           </a:lstStyle>
           <a:p>
             <a:r>
-              <a:rPr lang="en-US" smtClean="0"/>
+              <a:rPr lang="en-US"/>
               <a:t>Click to edit Master title style</a:t>
             </a:r>
             <a:endParaRPr lang="es-CO"/>
@@ -2525,7 +2517,7 @@
           </a:lstStyle>
           <a:p>
             <a:r>
-              <a:rPr lang="en-US" smtClean="0"/>
+              <a:rPr lang="en-US"/>
               <a:t>Click to edit Master subtitle style</a:t>
             </a:r>
             <a:endParaRPr lang="es-CO"/>
@@ -2550,7 +2542,7 @@
             <a:fld id="{EE425855-FD75-467C-BECD-0927F9A0E82A}" type="datetimeFigureOut">
               <a:rPr lang="es-CO" smtClean="0"/>
               <a:pPr/>
-              <a:t>1/02/2022</a:t>
+              <a:t>21/08/2023</a:t>
             </a:fld>
             <a:endParaRPr lang="es-CO"/>
           </a:p>
@@ -2604,13 +2596,6 @@
   <p:clrMapOvr>
     <a:masterClrMapping/>
   </p:clrMapOvr>
-  <p:timing>
-    <p:tnLst>
-      <p:par>
-        <p:cTn id="1" dur="indefinite" restart="never" nodeType="tmRoot"/>
-      </p:par>
-    </p:tnLst>
-  </p:timing>
 </p:sldLayout>
 </file>
 
@@ -2711,7 +2696,7 @@
           <a:lstStyle/>
           <a:p>
             <a:r>
-              <a:rPr lang="en-US" smtClean="0"/>
+              <a:rPr lang="en-US"/>
               <a:t>Click to edit Master title style</a:t>
             </a:r>
             <a:endParaRPr lang="es-CO"/>
@@ -2735,35 +2720,35 @@
           <a:p>
             <a:pPr lvl="0"/>
             <a:r>
-              <a:rPr lang="en-US" smtClean="0"/>
+              <a:rPr lang="en-US"/>
               <a:t>Click to edit Master text styles</a:t>
             </a:r>
           </a:p>
           <a:p>
             <a:pPr lvl="1"/>
             <a:r>
-              <a:rPr lang="en-US" smtClean="0"/>
+              <a:rPr lang="en-US"/>
               <a:t>Second level</a:t>
             </a:r>
           </a:p>
           <a:p>
             <a:pPr lvl="2"/>
             <a:r>
-              <a:rPr lang="en-US" smtClean="0"/>
+              <a:rPr lang="en-US"/>
               <a:t>Third level</a:t>
             </a:r>
           </a:p>
           <a:p>
             <a:pPr lvl="3"/>
             <a:r>
-              <a:rPr lang="en-US" smtClean="0"/>
+              <a:rPr lang="en-US"/>
               <a:t>Fourth level</a:t>
             </a:r>
           </a:p>
           <a:p>
             <a:pPr lvl="4"/>
             <a:r>
-              <a:rPr lang="en-US" smtClean="0"/>
+              <a:rPr lang="en-US"/>
               <a:t>Fifth level</a:t>
             </a:r>
             <a:endParaRPr lang="es-CO"/>
@@ -2788,7 +2773,7 @@
             <a:fld id="{EE425855-FD75-467C-BECD-0927F9A0E82A}" type="datetimeFigureOut">
               <a:rPr lang="es-CO" smtClean="0"/>
               <a:pPr/>
-              <a:t>1/02/2022</a:t>
+              <a:t>21/08/2023</a:t>
             </a:fld>
             <a:endParaRPr lang="es-CO"/>
           </a:p>
@@ -2942,7 +2927,7 @@
           <a:lstStyle/>
           <a:p>
             <a:r>
-              <a:rPr lang="en-US" smtClean="0"/>
+              <a:rPr lang="en-US"/>
               <a:t>Click to edit Master title style</a:t>
             </a:r>
             <a:endParaRPr lang="es-CO"/>
@@ -2966,35 +2951,35 @@
           <a:p>
             <a:pPr lvl="0"/>
             <a:r>
-              <a:rPr lang="en-US" smtClean="0"/>
+              <a:rPr lang="en-US"/>
               <a:t>Click to edit Master text styles</a:t>
             </a:r>
           </a:p>
           <a:p>
             <a:pPr lvl="1"/>
             <a:r>
-              <a:rPr lang="en-US" smtClean="0"/>
+              <a:rPr lang="en-US"/>
               <a:t>Second level</a:t>
             </a:r>
           </a:p>
           <a:p>
             <a:pPr lvl="2"/>
             <a:r>
-              <a:rPr lang="en-US" smtClean="0"/>
+              <a:rPr lang="en-US"/>
               <a:t>Third level</a:t>
             </a:r>
           </a:p>
           <a:p>
             <a:pPr lvl="3"/>
             <a:r>
-              <a:rPr lang="en-US" smtClean="0"/>
+              <a:rPr lang="en-US"/>
               <a:t>Fourth level</a:t>
             </a:r>
           </a:p>
           <a:p>
             <a:pPr lvl="4"/>
             <a:r>
-              <a:rPr lang="en-US" smtClean="0"/>
+              <a:rPr lang="en-US"/>
               <a:t>Fifth level</a:t>
             </a:r>
             <a:endParaRPr lang="es-CO"/>
@@ -3019,7 +3004,7 @@
             <a:fld id="{EE425855-FD75-467C-BECD-0927F9A0E82A}" type="datetimeFigureOut">
               <a:rPr lang="es-CO" smtClean="0"/>
               <a:pPr/>
-              <a:t>1/02/2022</a:t>
+              <a:t>21/08/2023</a:t>
             </a:fld>
             <a:endParaRPr lang="es-CO"/>
           </a:p>
@@ -3173,7 +3158,7 @@
           <a:lstStyle/>
           <a:p>
             <a:r>
-              <a:rPr lang="en-US" smtClean="0"/>
+              <a:rPr lang="en-US"/>
               <a:t>Click to edit Master title style</a:t>
             </a:r>
             <a:endParaRPr lang="es-CO"/>
@@ -3197,35 +3182,35 @@
           <a:p>
             <a:pPr lvl="0"/>
             <a:r>
-              <a:rPr lang="en-US" smtClean="0"/>
+              <a:rPr lang="en-US"/>
               <a:t>Click to edit Master text styles</a:t>
             </a:r>
           </a:p>
           <a:p>
             <a:pPr lvl="1"/>
             <a:r>
-              <a:rPr lang="en-US" smtClean="0"/>
+              <a:rPr lang="en-US"/>
               <a:t>Second level</a:t>
             </a:r>
           </a:p>
           <a:p>
             <a:pPr lvl="2"/>
             <a:r>
-              <a:rPr lang="en-US" smtClean="0"/>
+              <a:rPr lang="en-US"/>
               <a:t>Third level</a:t>
             </a:r>
           </a:p>
           <a:p>
             <a:pPr lvl="3"/>
             <a:r>
-              <a:rPr lang="en-US" smtClean="0"/>
+              <a:rPr lang="en-US"/>
               <a:t>Fourth level</a:t>
             </a:r>
           </a:p>
           <a:p>
             <a:pPr lvl="4"/>
             <a:r>
-              <a:rPr lang="en-US" smtClean="0"/>
+              <a:rPr lang="en-US"/>
               <a:t>Fifth level</a:t>
             </a:r>
             <a:endParaRPr lang="es-CO"/>
@@ -3250,7 +3235,7 @@
             <a:fld id="{EE425855-FD75-467C-BECD-0927F9A0E82A}" type="datetimeFigureOut">
               <a:rPr lang="es-CO" smtClean="0"/>
               <a:pPr/>
-              <a:t>1/02/2022</a:t>
+              <a:t>21/08/2023</a:t>
             </a:fld>
             <a:endParaRPr lang="es-CO"/>
           </a:p>
@@ -3368,13 +3353,6 @@
   <p:clrMapOvr>
     <a:masterClrMapping/>
   </p:clrMapOvr>
-  <p:timing>
-    <p:tnLst>
-      <p:par>
-        <p:cTn id="1" dur="indefinite" restart="never" nodeType="tmRoot"/>
-      </p:par>
-    </p:tnLst>
-  </p:timing>
 </p:sldLayout>
 </file>
 
@@ -3426,7 +3404,7 @@
           <a:lstStyle/>
           <a:p>
             <a:r>
-              <a:rPr lang="en-US" smtClean="0"/>
+              <a:rPr lang="en-US"/>
               <a:t>Click to edit Master title style</a:t>
             </a:r>
             <a:endParaRPr lang="es-CO"/>
@@ -3460,35 +3438,35 @@
           <a:p>
             <a:pPr lvl="0"/>
             <a:r>
-              <a:rPr lang="en-US" dirty="0" smtClean="0"/>
+              <a:rPr lang="en-US" dirty="0"/>
               <a:t>Click to edit Master text styles</a:t>
             </a:r>
           </a:p>
           <a:p>
             <a:pPr lvl="1"/>
             <a:r>
-              <a:rPr lang="en-US" dirty="0" smtClean="0"/>
+              <a:rPr lang="en-US" dirty="0"/>
               <a:t>Second level</a:t>
             </a:r>
           </a:p>
           <a:p>
             <a:pPr lvl="2"/>
             <a:r>
-              <a:rPr lang="en-US" dirty="0" smtClean="0"/>
+              <a:rPr lang="en-US" dirty="0"/>
               <a:t>Third level</a:t>
             </a:r>
           </a:p>
           <a:p>
             <a:pPr lvl="3"/>
             <a:r>
-              <a:rPr lang="en-US" dirty="0" smtClean="0"/>
+              <a:rPr lang="en-US" dirty="0"/>
               <a:t>Fourth level</a:t>
             </a:r>
           </a:p>
           <a:p>
             <a:pPr lvl="4"/>
             <a:r>
-              <a:rPr lang="en-US" dirty="0" smtClean="0"/>
+              <a:rPr lang="en-US" dirty="0"/>
               <a:t>Fifth level</a:t>
             </a:r>
             <a:endParaRPr lang="es-CO" dirty="0"/>
@@ -3531,7 +3509,7 @@
             <a:fld id="{EE425855-FD75-467C-BECD-0927F9A0E82A}" type="datetimeFigureOut">
               <a:rPr lang="es-CO" smtClean="0"/>
               <a:pPr/>
-              <a:t>1/02/2022</a:t>
+              <a:t>21/08/2023</a:t>
             </a:fld>
             <a:endParaRPr lang="es-CO"/>
           </a:p>
@@ -3626,13 +3604,6 @@
     <p:sldLayoutId id="2147483652" r:id="rId4"/>
     <p:sldLayoutId id="2147483653" r:id="rId5"/>
   </p:sldLayoutIdLst>
-  <p:timing>
-    <p:tnLst>
-      <p:par>
-        <p:cTn id="1" dur="indefinite" restart="never" nodeType="tmRoot"/>
-      </p:par>
-    </p:tnLst>
-  </p:timing>
   <p:txStyles>
     <p:titleStyle>
       <a:lvl1pPr algn="l" defTabSz="914400" rtl="0" eaLnBrk="1" latinLnBrk="0" hangingPunct="1">
@@ -3939,11 +3910,11 @@
           <a:lstStyle/>
           <a:p>
             <a:r>
-              <a:rPr lang="es-CO" sz="8000" dirty="0" smtClean="0"/>
+              <a:rPr lang="es-CO" sz="8000" dirty="0"/>
               <a:t>Web </a:t>
             </a:r>
             <a:r>
-              <a:rPr lang="es-CO" sz="8000" dirty="0" err="1" smtClean="0"/>
+              <a:rPr lang="es-CO" sz="8000" dirty="0" err="1"/>
               <a:t>Development</a:t>
             </a:r>
             <a:endParaRPr lang="es-CO" sz="8000" dirty="0"/>
@@ -3971,10 +3942,9 @@
           <a:lstStyle/>
           <a:p>
             <a:r>
-              <a:rPr lang="es-CO" dirty="0" smtClean="0"/>
+              <a:rPr lang="es-CO" dirty="0"/>
               <a:t>Desarrollo de Aplicaciones Web</a:t>
             </a:r>
-            <a:endParaRPr lang="es-CO" dirty="0"/>
           </a:p>
         </p:txBody>
       </p:sp>
@@ -4001,10 +3971,9 @@
           <a:lstStyle/>
           <a:p>
             <a:r>
-              <a:rPr lang="es-CO" dirty="0" smtClean="0"/>
+              <a:rPr lang="es-CO" dirty="0"/>
               <a:t>Julio Cesar Robles Uribe</a:t>
             </a:r>
-            <a:endParaRPr lang="es-CO" dirty="0"/>
           </a:p>
         </p:txBody>
       </p:sp>
@@ -4031,18 +4000,13 @@
           <a:lstStyle/>
           <a:p>
             <a:r>
-              <a:rPr lang="es-CO" sz="1400" dirty="0" smtClean="0">
+              <a:rPr lang="es-CO" sz="1400" dirty="0">
                 <a:solidFill>
                   <a:srgbClr val="0070C0"/>
                 </a:solidFill>
               </a:rPr>
               <a:t>Arquitecto de Soluciones</a:t>
             </a:r>
-            <a:endParaRPr lang="es-CO" sz="1400" dirty="0">
-              <a:solidFill>
-                <a:srgbClr val="0070C0"/>
-              </a:solidFill>
-            </a:endParaRPr>
           </a:p>
         </p:txBody>
       </p:sp>
@@ -4092,13 +4056,6 @@
   <p:clrMapOvr>
     <a:masterClrMapping/>
   </p:clrMapOvr>
-  <p:timing>
-    <p:tnLst>
-      <p:par>
-        <p:cTn id="1" dur="indefinite" restart="never" nodeType="tmRoot"/>
-      </p:par>
-    </p:tnLst>
-  </p:timing>
 </p:sld>
 </file>
 
@@ -4135,18 +4092,17 @@
           <a:lstStyle/>
           <a:p>
             <a:r>
-              <a:rPr lang="en-US" dirty="0" smtClean="0"/>
+              <a:rPr lang="en-US" dirty="0"/>
               <a:t>Frontend, Backend or </a:t>
             </a:r>
             <a:r>
-              <a:rPr lang="en-US" dirty="0" err="1" smtClean="0"/>
+              <a:rPr lang="en-US" dirty="0" err="1"/>
               <a:t>FullStack</a:t>
             </a:r>
             <a:r>
-              <a:rPr lang="en-US" dirty="0" smtClean="0"/>
+              <a:rPr lang="en-US" dirty="0"/>
               <a:t> Developers</a:t>
             </a:r>
-            <a:endParaRPr lang="en-US" dirty="0"/>
           </a:p>
         </p:txBody>
       </p:sp>
@@ -4168,75 +4124,43 @@
           <a:lstStyle/>
           <a:p>
             <a:r>
-              <a:rPr lang="en-US" b="1" dirty="0" smtClean="0"/>
+              <a:rPr lang="en-US" b="1" dirty="0"/>
               <a:t>Frontend</a:t>
             </a:r>
             <a:r>
-              <a:rPr lang="en-US" dirty="0" smtClean="0"/>
+              <a:rPr lang="en-US" dirty="0"/>
               <a:t>: S</a:t>
             </a:r>
             <a:r>
-              <a:rPr lang="es-ES" dirty="0" smtClean="0"/>
-              <a:t>e </a:t>
-            </a:r>
-            <a:r>
               <a:rPr lang="es-ES" dirty="0"/>
-              <a:t>encarga de la composición, diseño e interactividad usando HTML, CSS y </a:t>
-            </a:r>
-            <a:r>
-              <a:rPr lang="es-ES" dirty="0" smtClean="0"/>
-              <a:t>JavaScript.</a:t>
-            </a:r>
-          </a:p>
-          <a:p>
-            <a:r>
-              <a:rPr lang="es-ES" b="1" dirty="0" err="1" smtClean="0"/>
+              <a:t>e encarga de la composición, diseño e interactividad usando HTML, CSS y JavaScript.</a:t>
+            </a:r>
+          </a:p>
+          <a:p>
+            <a:r>
+              <a:rPr lang="es-ES" b="1" dirty="0" err="1"/>
               <a:t>Backend</a:t>
             </a:r>
             <a:r>
-              <a:rPr lang="es-ES" b="1" dirty="0" smtClean="0"/>
+              <a:rPr lang="es-ES" b="1" dirty="0"/>
               <a:t>:</a:t>
             </a:r>
             <a:r>
-              <a:rPr lang="es-ES" dirty="0" smtClean="0"/>
-              <a:t> Se </a:t>
-            </a:r>
-            <a:r>
               <a:rPr lang="es-ES" dirty="0"/>
-              <a:t>encarga de lo que no se ve, es decir, dónde se </a:t>
-            </a:r>
-            <a:r>
-              <a:rPr lang="es-ES" dirty="0" smtClean="0"/>
-              <a:t>procesan y se almacenan </a:t>
+              <a:t> Se encarga de lo que no se ve, es decir, dónde se procesan y se almacenan los datos que </a:t>
+            </a:r>
+            <a:r>
+              <a:rPr lang="es-ES"/>
+              <a:t>utiliza el </a:t>
             </a:r>
             <a:r>
               <a:rPr lang="es-ES" dirty="0"/>
-              <a:t>los </a:t>
-            </a:r>
-            <a:r>
-              <a:rPr lang="es-ES" dirty="0" smtClean="0"/>
-              <a:t>datos</a:t>
-            </a:r>
-            <a:r>
-              <a:rPr lang="es-ES" dirty="0"/>
-              <a:t> </a:t>
-            </a:r>
-            <a:r>
-              <a:rPr lang="es-ES" dirty="0" smtClean="0"/>
-              <a:t>que </a:t>
-            </a:r>
-            <a:r>
-              <a:rPr lang="es-ES" smtClean="0"/>
-              <a:t>utiliza el </a:t>
-            </a:r>
-            <a:r>
-              <a:rPr lang="es-ES" dirty="0" smtClean="0"/>
               <a:t>Front.</a:t>
             </a:r>
           </a:p>
           <a:p>
             <a:r>
-              <a:rPr lang="es-ES" b="1" dirty="0" err="1" smtClean="0"/>
+              <a:rPr lang="es-ES" b="1" dirty="0" err="1"/>
               <a:t>Fullstack</a:t>
             </a:r>
             <a:r>
@@ -4252,14 +4176,13 @@
               <a:t> como del </a:t>
             </a:r>
             <a:r>
-              <a:rPr lang="es-ES" dirty="0" err="1" smtClean="0"/>
+              <a:rPr lang="es-ES" dirty="0" err="1"/>
               <a:t>Backend</a:t>
             </a:r>
             <a:r>
               <a:rPr lang="es-ES" dirty="0"/>
               <a:t>.</a:t>
             </a:r>
-            <a:endParaRPr lang="es-ES" dirty="0" smtClean="0"/>
           </a:p>
           <a:p>
             <a:endParaRPr lang="en-US" dirty="0"/>
@@ -4490,10 +4413,9 @@
           <a:p>
             <a:pPr algn="ctr"/>
             <a:r>
-              <a:rPr lang="es-CO" dirty="0" smtClean="0"/>
+              <a:rPr lang="es-CO" dirty="0"/>
               <a:t>Preguntas?</a:t>
             </a:r>
-            <a:endParaRPr lang="es-CO" dirty="0"/>
           </a:p>
         </p:txBody>
       </p:sp>
@@ -4528,13 +4450,6 @@
   <p:clrMapOvr>
     <a:masterClrMapping/>
   </p:clrMapOvr>
-  <p:timing>
-    <p:tnLst>
-      <p:par>
-        <p:cTn id="1" dur="indefinite" restart="never" nodeType="tmRoot"/>
-      </p:par>
-    </p:tnLst>
-  </p:timing>
 </p:sld>
 </file>
 
@@ -4593,7 +4508,7 @@
           <a:p>
             <a:pPr algn="ctr"/>
             <a:r>
-              <a:rPr lang="en-US" sz="6600" b="1" cap="all" dirty="0" smtClean="0">
+              <a:rPr lang="en-US" sz="6600" b="1" cap="all" dirty="0">
                 <a:ln w="0"/>
                 <a:solidFill>
                   <a:srgbClr val="0066CC">
@@ -4607,18 +4522,6 @@
               </a:rPr>
               <a:t>Gracias!!!</a:t>
             </a:r>
-            <a:endParaRPr lang="en-US" sz="6600" b="1" cap="all" dirty="0">
-              <a:ln w="0"/>
-              <a:solidFill>
-                <a:srgbClr val="0066CC">
-                  <a:alpha val="74000"/>
-                </a:srgbClr>
-              </a:solidFill>
-              <a:effectLst>
-                <a:reflection blurRad="12700" stA="50000" endPos="50000" dist="5000" dir="5400000" sy="-100000" rotWithShape="0"/>
-              </a:effectLst>
-              <a:latin typeface="Berlin Sans FB Demi" pitchFamily="34" charset="0"/>
-            </a:endParaRPr>
           </a:p>
         </p:txBody>
       </p:sp>
@@ -4627,13 +4530,6 @@
   <p:clrMapOvr>
     <a:masterClrMapping/>
   </p:clrMapOvr>
-  <p:timing>
-    <p:tnLst>
-      <p:par>
-        <p:cTn id="1" dur="indefinite" restart="never" nodeType="tmRoot"/>
-      </p:par>
-    </p:tnLst>
-  </p:timing>
 </p:sld>
 </file>
 
@@ -4670,7 +4566,7 @@
           <a:lstStyle/>
           <a:p>
             <a:r>
-              <a:rPr lang="en-US" dirty="0" err="1" smtClean="0"/>
+              <a:rPr lang="en-US" dirty="0" err="1"/>
               <a:t>Horario</a:t>
             </a:r>
             <a:endParaRPr lang="en-US" dirty="0"/>
@@ -4699,12 +4595,12 @@
           <a:graphicData uri="http://schemas.openxmlformats.org/presentationml/2006/ole">
             <mc:AlternateContent xmlns:mc="http://schemas.openxmlformats.org/markup-compatibility/2006">
               <mc:Choice xmlns:v="urn:schemas-microsoft-com:vml" Requires="v">
-                <p:oleObj spid="_x0000_s1058" name="Worksheet" r:id="rId3" imgW="1457396" imgH="1152698" progId="Excel.Sheet.12">
+                <p:oleObj name="Worksheet" r:id="rId2" imgW="1457396" imgH="1152698" progId="Excel.Sheet.12">
                   <p:embed/>
                 </p:oleObj>
               </mc:Choice>
               <mc:Fallback>
-                <p:oleObj name="Worksheet" r:id="rId3" imgW="1457396" imgH="1152698" progId="Excel.Sheet.12">
+                <p:oleObj name="Worksheet" r:id="rId2" imgW="1457396" imgH="1152698" progId="Excel.Sheet.12">
                   <p:embed/>
                   <p:pic>
                     <p:nvPicPr>
@@ -4713,7 +4609,7 @@
                       <p:nvPr/>
                     </p:nvPicPr>
                     <p:blipFill>
-                      <a:blip r:embed="rId4"/>
+                      <a:blip r:embed="rId3"/>
                       <a:stretch>
                         <a:fillRect/>
                       </a:stretch>
@@ -4739,7 +4635,7 @@
           <p:cNvPr id="6" name="Picture 8" descr="Chronometer free vector icons designed by Good Ware | Vector icon design,  Vector free, Vector icons">
             <a:extLst>
               <a:ext uri="{FF2B5EF4-FFF2-40B4-BE49-F238E27FC236}">
-                <a16:creationId xmlns="" xmlns:a16="http://schemas.microsoft.com/office/drawing/2014/main" id="{8D9A8D73-BE96-428E-BD83-4798528E1AD3}"/>
+                <a16:creationId xmlns:a16="http://schemas.microsoft.com/office/drawing/2014/main" id="{8D9A8D73-BE96-428E-BD83-4798528E1AD3}"/>
               </a:ext>
             </a:extLst>
           </p:cNvPr>
@@ -4749,7 +4645,7 @@
           <p:nvPr/>
         </p:nvPicPr>
         <p:blipFill>
-          <a:blip r:embed="rId5">
+          <a:blip r:embed="rId4">
             <a:extLst>
               <a:ext uri="{28A0092B-C50C-407E-A947-70E740481C1C}">
                 <a14:useLocalDpi xmlns:a14="http://schemas.microsoft.com/office/drawing/2010/main" val="0"/>
@@ -4791,13 +4687,6 @@
   <p:clrMapOvr>
     <a:masterClrMapping/>
   </p:clrMapOvr>
-  <p:timing>
-    <p:tnLst>
-      <p:par>
-        <p:cTn id="1" dur="indefinite" restart="never" nodeType="tmRoot"/>
-      </p:par>
-    </p:tnLst>
-  </p:timing>
 </p:sld>
 </file>
 
@@ -4834,10 +4723,9 @@
           <a:lstStyle/>
           <a:p>
             <a:r>
-              <a:rPr lang="es-CO" dirty="0" smtClean="0"/>
+              <a:rPr lang="es-CO" dirty="0"/>
               <a:t>Presentación personal</a:t>
             </a:r>
-            <a:endParaRPr lang="es-CO" dirty="0"/>
           </a:p>
         </p:txBody>
       </p:sp>
@@ -5000,13 +4888,8 @@
             </a:pPr>
             <a:r>
               <a:rPr lang="es-CO" sz="2400" dirty="0"/>
-              <a:t>Profesor </a:t>
-            </a:r>
-            <a:r>
-              <a:rPr lang="es-CO" sz="2400" dirty="0" smtClean="0"/>
-              <a:t>Universitario</a:t>
-            </a:r>
-            <a:endParaRPr lang="es-CO" sz="2400" dirty="0"/>
+              <a:t>Profesor Universitario</a:t>
+            </a:r>
           </a:p>
         </p:txBody>
       </p:sp>
@@ -5015,7 +4898,7 @@
           <p:cNvPr id="16" name="Picture 15" descr="A person smiling for the camera&#10;&#10;Description automatically generated with low confidence">
             <a:extLst>
               <a:ext uri="{FF2B5EF4-FFF2-40B4-BE49-F238E27FC236}">
-                <a16:creationId xmlns="" xmlns:a16="http://schemas.microsoft.com/office/drawing/2014/main" id="{5DC97C0D-EB9B-4F0B-93EF-0D1AFD5A629D}"/>
+                <a16:creationId xmlns:a16="http://schemas.microsoft.com/office/drawing/2014/main" id="{5DC97C0D-EB9B-4F0B-93EF-0D1AFD5A629D}"/>
               </a:ext>
             </a:extLst>
           </p:cNvPr>
@@ -5061,7 +4944,7 @@
           <p:cNvPr id="17" name="TextBox 16">
             <a:extLst>
               <a:ext uri="{FF2B5EF4-FFF2-40B4-BE49-F238E27FC236}">
-                <a16:creationId xmlns="" xmlns:a16="http://schemas.microsoft.com/office/drawing/2014/main" id="{AB3A3CA4-03A7-4CAF-9E47-6B8D04208568}"/>
+                <a16:creationId xmlns:a16="http://schemas.microsoft.com/office/drawing/2014/main" id="{AB3A3CA4-03A7-4CAF-9E47-6B8D04208568}"/>
               </a:ext>
             </a:extLst>
           </p:cNvPr>
@@ -5105,7 +4988,7 @@
           <p:cNvPr id="18" name="TextBox 17">
             <a:extLst>
               <a:ext uri="{FF2B5EF4-FFF2-40B4-BE49-F238E27FC236}">
-                <a16:creationId xmlns="" xmlns:a16="http://schemas.microsoft.com/office/drawing/2014/main" id="{37F4DB09-ECAD-411E-957C-E734FFFF3CD0}"/>
+                <a16:creationId xmlns:a16="http://schemas.microsoft.com/office/drawing/2014/main" id="{37F4DB09-ECAD-411E-957C-E734FFFF3CD0}"/>
               </a:ext>
             </a:extLst>
           </p:cNvPr>
@@ -5152,13 +5035,6 @@
   <p:clrMapOvr>
     <a:masterClrMapping/>
   </p:clrMapOvr>
-  <p:timing>
-    <p:tnLst>
-      <p:par>
-        <p:cTn id="1" dur="indefinite" restart="never" nodeType="tmRoot"/>
-      </p:par>
-    </p:tnLst>
-  </p:timing>
 </p:sld>
 </file>
 
@@ -5195,10 +5071,9 @@
           <a:lstStyle/>
           <a:p>
             <a:r>
-              <a:rPr lang="es-CO" dirty="0" smtClean="0"/>
+              <a:rPr lang="es-CO" dirty="0"/>
               <a:t>Presentación personal</a:t>
             </a:r>
-            <a:endParaRPr lang="es-CO" dirty="0"/>
           </a:p>
         </p:txBody>
       </p:sp>
@@ -5230,10 +5105,9 @@
               </a:spcAft>
             </a:pPr>
             <a:r>
-              <a:rPr lang="es-CO" sz="2400" dirty="0" smtClean="0"/>
+              <a:rPr lang="es-CO" sz="2400" dirty="0"/>
               <a:t>Nombre Completo</a:t>
             </a:r>
-            <a:endParaRPr lang="es-CO" sz="2400" dirty="0"/>
           </a:p>
           <a:p>
             <a:pPr marL="285750" indent="-285750">
@@ -5242,22 +5116,17 @@
               </a:spcAft>
             </a:pPr>
             <a:r>
-              <a:rPr lang="es-CO" sz="2400" dirty="0" smtClean="0"/>
-              <a:t>Facultad</a:t>
-            </a:r>
-            <a:r>
               <a:rPr lang="es-CO" sz="2400" dirty="0"/>
-              <a:t> </a:t>
+              <a:t>Facultad </a:t>
             </a:r>
             <a:r>
               <a:rPr lang="en-US" sz="2400" dirty="0"/>
               <a:t>ó</a:t>
             </a:r>
             <a:r>
-              <a:rPr lang="es-CO" sz="2400" dirty="0" smtClean="0"/>
+              <a:rPr lang="es-CO" sz="2400" dirty="0"/>
               <a:t> Carrera</a:t>
             </a:r>
-            <a:endParaRPr lang="es-CO" sz="2400" dirty="0"/>
           </a:p>
           <a:p>
             <a:pPr marL="285750" indent="-285750">
@@ -5266,10 +5135,9 @@
               </a:spcAft>
             </a:pPr>
             <a:r>
-              <a:rPr lang="es-CO" sz="2400" dirty="0" smtClean="0"/>
+              <a:rPr lang="es-CO" sz="2400" dirty="0"/>
               <a:t>Semestre</a:t>
             </a:r>
-            <a:endParaRPr lang="es-CO" sz="2400" dirty="0"/>
           </a:p>
           <a:p>
             <a:pPr marL="285750" indent="-285750">
@@ -5278,10 +5146,9 @@
               </a:spcAft>
             </a:pPr>
             <a:r>
-              <a:rPr lang="es-CO" sz="2400" dirty="0" smtClean="0"/>
+              <a:rPr lang="es-CO" sz="2400" dirty="0"/>
               <a:t>Trabajas?</a:t>
             </a:r>
-            <a:endParaRPr lang="es-CO" sz="2400" dirty="0"/>
           </a:p>
           <a:p>
             <a:pPr marL="685800" lvl="1">
@@ -5290,7 +5157,7 @@
               </a:spcAft>
             </a:pPr>
             <a:r>
-              <a:rPr lang="es-CO" sz="2000" dirty="0" smtClean="0"/>
+              <a:rPr lang="es-CO" sz="2000" dirty="0"/>
               <a:t>Empresa?</a:t>
             </a:r>
           </a:p>
@@ -5301,12 +5168,8 @@
               </a:spcAft>
             </a:pPr>
             <a:r>
-              <a:rPr lang="es-CO" sz="2000" dirty="0" smtClean="0"/>
-              <a:t>Rol o Cargo</a:t>
-            </a:r>
-            <a:r>
-              <a:rPr lang="es-CO" sz="2000" dirty="0" smtClean="0"/>
-              <a:t>?</a:t>
+              <a:rPr lang="es-CO" sz="2000" dirty="0"/>
+              <a:t>Rol o Cargo?</a:t>
             </a:r>
           </a:p>
           <a:p>
@@ -5316,7 +5179,7 @@
               </a:spcAft>
             </a:pPr>
             <a:r>
-              <a:rPr lang="es-CO" sz="2400" dirty="0" smtClean="0"/>
+              <a:rPr lang="es-CO" sz="2400" dirty="0"/>
               <a:t>Tiempo de Experiencia en TI</a:t>
             </a:r>
           </a:p>
@@ -5327,11 +5190,11 @@
               </a:spcAft>
             </a:pPr>
             <a:r>
-              <a:rPr lang="es-CO" sz="2400" dirty="0" smtClean="0"/>
+              <a:rPr lang="es-CO" sz="2400" dirty="0"/>
               <a:t>Qué </a:t>
             </a:r>
             <a:r>
-              <a:rPr lang="es-CO" sz="2400" smtClean="0"/>
+              <a:rPr lang="es-CO" sz="2400"/>
               <a:t>lenguajes conoces?</a:t>
             </a:r>
             <a:endParaRPr lang="es-CO" sz="2400" dirty="0"/>
@@ -5343,10 +5206,9 @@
               </a:spcAft>
             </a:pPr>
             <a:r>
-              <a:rPr lang="es-CO" sz="2400" dirty="0" smtClean="0"/>
+              <a:rPr lang="es-CO" sz="2400" dirty="0"/>
               <a:t>Qué expectativas tienes con este curso?</a:t>
             </a:r>
-            <a:endParaRPr lang="es-CO" sz="2400" dirty="0"/>
           </a:p>
         </p:txBody>
       </p:sp>
@@ -5360,13 +5222,6 @@
   <p:clrMapOvr>
     <a:masterClrMapping/>
   </p:clrMapOvr>
-  <p:timing>
-    <p:tnLst>
-      <p:par>
-        <p:cTn id="1" dur="indefinite" restart="never" nodeType="tmRoot"/>
-      </p:par>
-    </p:tnLst>
-  </p:timing>
 </p:sld>
 </file>
 
@@ -5403,10 +5258,9 @@
           <a:lstStyle/>
           <a:p>
             <a:r>
-              <a:rPr lang="es-CO" dirty="0" smtClean="0"/>
+              <a:rPr lang="es-CO" dirty="0"/>
               <a:t>Introducción</a:t>
             </a:r>
-            <a:endParaRPr lang="es-CO" dirty="0"/>
           </a:p>
         </p:txBody>
       </p:sp>
@@ -5434,11 +5288,11 @@
           <a:p>
             <a:pPr algn="just"/>
             <a:r>
-              <a:rPr lang="es-CO" dirty="0" smtClean="0"/>
+              <a:rPr lang="es-CO" dirty="0"/>
               <a:t>En este curso se cubrirán los </a:t>
             </a:r>
             <a:r>
-              <a:rPr lang="es-CO" b="1" dirty="0" smtClean="0">
+              <a:rPr lang="es-CO" b="1" dirty="0">
                 <a:solidFill>
                   <a:schemeClr val="accent3"/>
                 </a:solidFill>
@@ -5446,15 +5300,15 @@
               <a:t>temas básicos</a:t>
             </a:r>
             <a:r>
-              <a:rPr lang="es-CO" b="1" dirty="0" smtClean="0"/>
+              <a:rPr lang="es-CO" b="1" dirty="0"/>
               <a:t> </a:t>
             </a:r>
             <a:r>
-              <a:rPr lang="es-CO" dirty="0" smtClean="0"/>
+              <a:rPr lang="es-CO" dirty="0"/>
               <a:t>para convertirse en un </a:t>
             </a:r>
             <a:r>
-              <a:rPr lang="es-CO" b="1" dirty="0" smtClean="0">
+              <a:rPr lang="es-CO" b="1" dirty="0">
                 <a:solidFill>
                   <a:schemeClr val="accent1"/>
                 </a:solidFill>
@@ -5462,11 +5316,11 @@
               <a:t>desarrollador web</a:t>
             </a:r>
             <a:r>
-              <a:rPr lang="es-CO" dirty="0" smtClean="0"/>
+              <a:rPr lang="es-CO" dirty="0"/>
               <a:t>, con conocimientos tanto en </a:t>
             </a:r>
             <a:r>
-              <a:rPr lang="es-CO" b="1" dirty="0" smtClean="0">
+              <a:rPr lang="es-CO" b="1" dirty="0">
                 <a:solidFill>
                   <a:schemeClr val="accent6"/>
                 </a:solidFill>
@@ -5474,7 +5328,7 @@
               <a:t>Front-</a:t>
             </a:r>
             <a:r>
-              <a:rPr lang="es-CO" b="1" dirty="0" err="1" smtClean="0">
+              <a:rPr lang="es-CO" b="1" dirty="0" err="1">
                 <a:solidFill>
                   <a:schemeClr val="accent6"/>
                 </a:solidFill>
@@ -5482,11 +5336,11 @@
               <a:t>End</a:t>
             </a:r>
             <a:r>
-              <a:rPr lang="es-CO" dirty="0" smtClean="0"/>
+              <a:rPr lang="es-CO" dirty="0"/>
               <a:t> como en </a:t>
             </a:r>
             <a:r>
-              <a:rPr lang="es-CO" b="1" dirty="0" smtClean="0">
+              <a:rPr lang="es-CO" b="1" dirty="0">
                 <a:solidFill>
                   <a:srgbClr val="7030A0"/>
                 </a:solidFill>
@@ -5494,7 +5348,7 @@
               <a:t>Back-</a:t>
             </a:r>
             <a:r>
-              <a:rPr lang="es-CO" b="1" dirty="0" err="1" smtClean="0">
+              <a:rPr lang="es-CO" b="1" dirty="0" err="1">
                 <a:solidFill>
                   <a:srgbClr val="7030A0"/>
                 </a:solidFill>
@@ -5505,7 +5359,6 @@
               <a:rPr lang="es-CO" dirty="0"/>
               <a:t>.</a:t>
             </a:r>
-            <a:endParaRPr lang="es-CO" dirty="0" smtClean="0"/>
           </a:p>
           <a:p>
             <a:pPr>
@@ -5544,13 +5397,6 @@
   <p:clrMapOvr>
     <a:masterClrMapping/>
   </p:clrMapOvr>
-  <p:timing>
-    <p:tnLst>
-      <p:par>
-        <p:cTn id="1" dur="indefinite" restart="never" nodeType="tmRoot"/>
-      </p:par>
-    </p:tnLst>
-  </p:timing>
 </p:sld>
 </file>
 
@@ -5587,10 +5433,9 @@
           <a:lstStyle/>
           <a:p>
             <a:r>
-              <a:rPr lang="es-CO" dirty="0" smtClean="0"/>
+              <a:rPr lang="es-CO" dirty="0"/>
               <a:t>Qué aprenderemos?</a:t>
             </a:r>
-            <a:endParaRPr lang="es-CO" dirty="0"/>
           </a:p>
         </p:txBody>
       </p:sp>
@@ -5607,74 +5452,25 @@
         <p:spPr>
           <a:xfrm>
             <a:off x="457200" y="1600201"/>
-            <a:ext cx="8219256" cy="3989040"/>
+            <a:ext cx="5122912" cy="3989040"/>
           </a:xfrm>
         </p:spPr>
         <p:txBody>
           <a:bodyPr>
-            <a:normAutofit fontScale="70000" lnSpcReduction="20000"/>
+            <a:normAutofit/>
           </a:bodyPr>
           <a:lstStyle/>
           <a:p>
             <a:r>
               <a:rPr lang="es-CO" dirty="0"/>
-              <a:t>HTML Basic/HTML5</a:t>
+              <a:t>HTML5/CSS3/JavaScript</a:t>
             </a:r>
           </a:p>
           <a:p>
             <a:r>
               <a:rPr lang="es-CO" dirty="0"/>
-              <a:t>CSS Basic/</a:t>
-            </a:r>
-            <a:r>
-              <a:rPr lang="es-CO" dirty="0" err="1"/>
-              <a:t>Intermediate</a:t>
-            </a:r>
-            <a:r>
-              <a:rPr lang="es-CO" dirty="0"/>
-              <a:t>/CSS3</a:t>
-            </a:r>
-          </a:p>
-          <a:p>
-            <a:r>
-              <a:rPr lang="es-CO" dirty="0" err="1"/>
               <a:t>Bootstrap</a:t>
             </a:r>
-            <a:r>
-              <a:rPr lang="es-CO" dirty="0"/>
-              <a:t>/</a:t>
-            </a:r>
-            <a:r>
-              <a:rPr lang="es-CO" dirty="0" err="1"/>
-              <a:t>Flexbox</a:t>
-            </a:r>
-            <a:r>
-              <a:rPr lang="es-CO" dirty="0"/>
-              <a:t>/</a:t>
-            </a:r>
-            <a:r>
-              <a:rPr lang="es-CO" dirty="0" err="1"/>
-              <a:t>Saas</a:t>
-            </a:r>
-            <a:endParaRPr lang="es-CO" dirty="0"/>
-          </a:p>
-          <a:p>
-            <a:r>
-              <a:rPr lang="es-CO" dirty="0"/>
-              <a:t>JavaScript Basic </a:t>
-            </a:r>
-            <a:r>
-              <a:rPr lang="es-CO" dirty="0" err="1"/>
-              <a:t>Concepts</a:t>
-            </a:r>
-            <a:endParaRPr lang="es-CO" dirty="0"/>
-          </a:p>
-          <a:p>
-            <a:r>
-              <a:rPr lang="es-CO" dirty="0" err="1"/>
-              <a:t>jQuery</a:t>
-            </a:r>
-            <a:endParaRPr lang="es-CO" dirty="0"/>
           </a:p>
           <a:p>
             <a:r>
@@ -5700,89 +5496,6 @@
             <a:r>
               <a:rPr lang="es-CO" dirty="0"/>
               <a:t> Core</a:t>
-            </a:r>
-          </a:p>
-          <a:p>
-            <a:r>
-              <a:rPr lang="es-CO" dirty="0" err="1"/>
-              <a:t>Backend</a:t>
-            </a:r>
-            <a:r>
-              <a:rPr lang="es-CO" dirty="0"/>
-              <a:t> </a:t>
-            </a:r>
-            <a:r>
-              <a:rPr lang="es-CO" dirty="0" err="1"/>
-              <a:t>with</a:t>
-            </a:r>
-            <a:r>
-              <a:rPr lang="es-CO" dirty="0"/>
-              <a:t> </a:t>
-            </a:r>
-            <a:r>
-              <a:rPr lang="es-CO" dirty="0" err="1"/>
-              <a:t>Node</a:t>
-            </a:r>
-            <a:endParaRPr lang="es-CO" dirty="0"/>
-          </a:p>
-          <a:p>
-            <a:r>
-              <a:rPr lang="es-CO" dirty="0" err="1"/>
-              <a:t>Design</a:t>
-            </a:r>
-            <a:r>
-              <a:rPr lang="es-CO" dirty="0"/>
-              <a:t> data </a:t>
-            </a:r>
-            <a:r>
-              <a:rPr lang="es-CO" dirty="0" err="1"/>
-              <a:t>with</a:t>
-            </a:r>
-            <a:r>
-              <a:rPr lang="es-CO" dirty="0"/>
-              <a:t> </a:t>
-            </a:r>
-            <a:r>
-              <a:rPr lang="es-CO" dirty="0" err="1"/>
-              <a:t>MySQL</a:t>
-            </a:r>
-            <a:endParaRPr lang="es-CO" dirty="0"/>
-          </a:p>
-          <a:p>
-            <a:r>
-              <a:rPr lang="es-CO" dirty="0" err="1"/>
-              <a:t>NoSQL</a:t>
-            </a:r>
-            <a:r>
-              <a:rPr lang="es-CO" dirty="0"/>
-              <a:t> </a:t>
-            </a:r>
-            <a:r>
-              <a:rPr lang="es-CO" dirty="0" err="1"/>
-              <a:t>database</a:t>
-            </a:r>
-            <a:r>
-              <a:rPr lang="es-CO" dirty="0"/>
-              <a:t>: </a:t>
-            </a:r>
-            <a:r>
-              <a:rPr lang="es-CO" dirty="0" err="1"/>
-              <a:t>MongoDB</a:t>
-            </a:r>
-            <a:endParaRPr lang="es-CO" dirty="0"/>
-          </a:p>
-          <a:p>
-            <a:r>
-              <a:rPr lang="es-CO" dirty="0"/>
-              <a:t>App </a:t>
-            </a:r>
-            <a:r>
-              <a:rPr lang="es-CO" dirty="0" err="1"/>
-              <a:t>with</a:t>
-            </a:r>
-            <a:r>
-              <a:rPr lang="es-CO" dirty="0"/>
-              <a:t> Angular</a:t>
             </a:r>
           </a:p>
           <a:p>
@@ -5832,7 +5545,7 @@
         </p:blipFill>
         <p:spPr bwMode="auto">
           <a:xfrm>
-            <a:off x="4257980" y="1550245"/>
+            <a:off x="5081901" y="2132856"/>
             <a:ext cx="914400" cy="914400"/>
           </a:xfrm>
           <a:prstGeom prst="rect">
@@ -5873,7 +5586,7 @@
         </p:blipFill>
         <p:spPr bwMode="auto">
           <a:xfrm>
-            <a:off x="5229595" y="1550245"/>
+            <a:off x="6053516" y="2132856"/>
             <a:ext cx="648125" cy="914400"/>
           </a:xfrm>
           <a:prstGeom prst="rect">
@@ -5914,7 +5627,7 @@
         </p:blipFill>
         <p:spPr bwMode="auto">
           <a:xfrm>
-            <a:off x="5934935" y="1550245"/>
+            <a:off x="6758856" y="2132856"/>
             <a:ext cx="649225" cy="914400"/>
           </a:xfrm>
           <a:prstGeom prst="rect">
@@ -5955,7 +5668,7 @@
         </p:blipFill>
         <p:spPr bwMode="auto">
           <a:xfrm>
-            <a:off x="6641375" y="1550245"/>
+            <a:off x="7465296" y="2132856"/>
             <a:ext cx="1219200" cy="914400"/>
           </a:xfrm>
           <a:prstGeom prst="rect">
@@ -5975,7 +5688,7 @@
       </p:pic>
       <p:pic>
         <p:nvPicPr>
-          <p:cNvPr id="2068" name="Picture 20" descr="jQuery-logo - Red Code&amp;#39;"/>
+          <p:cNvPr id="2070" name="Picture 22" descr="Archivo:.NET Core Logo.svg - Wikipedia, la enciclopedia libre"/>
           <p:cNvPicPr>
             <a:picLocks noChangeAspect="1" noChangeArrowheads="1"/>
           </p:cNvPicPr>
@@ -5996,7 +5709,7 @@
         </p:blipFill>
         <p:spPr bwMode="auto">
           <a:xfrm>
-            <a:off x="7917789" y="1550245"/>
+            <a:off x="5787241" y="3583303"/>
             <a:ext cx="914400" cy="914400"/>
           </a:xfrm>
           <a:prstGeom prst="rect">
@@ -6016,7 +5729,7 @@
       </p:pic>
       <p:pic>
         <p:nvPicPr>
-          <p:cNvPr id="2070" name="Picture 22" descr="Archivo:.NET Core Logo.svg - Wikipedia, la enciclopedia libre"/>
+          <p:cNvPr id="2086" name="Picture 38" descr="React - Wikipedia, la enciclopedia libre"/>
           <p:cNvPicPr>
             <a:picLocks noChangeAspect="1" noChangeArrowheads="1"/>
           </p:cNvPicPr>
@@ -6037,222 +5750,7 @@
         </p:blipFill>
         <p:spPr bwMode="auto">
           <a:xfrm>
-            <a:off x="5197817" y="2824366"/>
-            <a:ext cx="914400" cy="914400"/>
-          </a:xfrm>
-          <a:prstGeom prst="rect">
-            <a:avLst/>
-          </a:prstGeom>
-          <a:noFill/>
-          <a:extLst>
-            <a:ext uri="{909E8E84-426E-40DD-AFC4-6F175D3DCCD1}">
-              <a14:hiddenFill xmlns:a14="http://schemas.microsoft.com/office/drawing/2010/main">
-                <a:solidFill>
-                  <a:srgbClr val="FFFFFF"/>
-                </a:solidFill>
-              </a14:hiddenFill>
-            </a:ext>
-          </a:extLst>
-        </p:spPr>
-      </p:pic>
-      <p:pic>
-        <p:nvPicPr>
-          <p:cNvPr id="2078" name="Picture 30" descr="Archivo:Node.js logo.svg - Wikipedia, la enciclopedia libre"/>
-          <p:cNvPicPr>
-            <a:picLocks noChangeAspect="1" noChangeArrowheads="1"/>
-          </p:cNvPicPr>
-          <p:nvPr/>
-        </p:nvPicPr>
-        <p:blipFill>
-          <a:blip r:embed="rId8" cstate="print">
-            <a:extLst>
-              <a:ext uri="{28A0092B-C50C-407E-A947-70E740481C1C}">
-                <a14:useLocalDpi xmlns:a14="http://schemas.microsoft.com/office/drawing/2010/main" val="0"/>
-              </a:ext>
-            </a:extLst>
-          </a:blip>
-          <a:srcRect/>
-          <a:stretch>
-            <a:fillRect/>
-          </a:stretch>
-        </p:blipFill>
-        <p:spPr bwMode="auto">
-          <a:xfrm>
-            <a:off x="6503572" y="2837792"/>
-            <a:ext cx="1494805" cy="914400"/>
-          </a:xfrm>
-          <a:prstGeom prst="rect">
-            <a:avLst/>
-          </a:prstGeom>
-          <a:noFill/>
-          <a:extLst>
-            <a:ext uri="{909E8E84-426E-40DD-AFC4-6F175D3DCCD1}">
-              <a14:hiddenFill xmlns:a14="http://schemas.microsoft.com/office/drawing/2010/main">
-                <a:solidFill>
-                  <a:srgbClr val="FFFFFF"/>
-                </a:solidFill>
-              </a14:hiddenFill>
-            </a:ext>
-          </a:extLst>
-        </p:spPr>
-      </p:pic>
-      <p:pic>
-        <p:nvPicPr>
-          <p:cNvPr id="2080" name="Picture 32" descr="MySQL dynamic insertion by a python script | Thepiguy"/>
-          <p:cNvPicPr preferRelativeResize="0">
-            <a:picLocks noChangeArrowheads="1"/>
-          </p:cNvPicPr>
-          <p:nvPr/>
-        </p:nvPicPr>
-        <p:blipFill>
-          <a:blip r:embed="rId9" cstate="print">
-            <a:clrChange>
-              <a:clrFrom>
-                <a:srgbClr val="FFFFFF"/>
-              </a:clrFrom>
-              <a:clrTo>
-                <a:srgbClr val="FFFFFF">
-                  <a:alpha val="0"/>
-                </a:srgbClr>
-              </a:clrTo>
-            </a:clrChange>
-            <a:extLst>
-              <a:ext uri="{28A0092B-C50C-407E-A947-70E740481C1C}">
-                <a14:useLocalDpi xmlns:a14="http://schemas.microsoft.com/office/drawing/2010/main" val="0"/>
-              </a:ext>
-            </a:extLst>
-          </a:blip>
-          <a:srcRect/>
-          <a:stretch>
-            <a:fillRect/>
-          </a:stretch>
-        </p:blipFill>
-        <p:spPr bwMode="auto">
-          <a:xfrm>
-            <a:off x="4281247" y="3934755"/>
-            <a:ext cx="2286000" cy="914400"/>
-          </a:xfrm>
-          <a:prstGeom prst="rect">
-            <a:avLst/>
-          </a:prstGeom>
-          <a:noFill/>
-          <a:extLst>
-            <a:ext uri="{909E8E84-426E-40DD-AFC4-6F175D3DCCD1}">
-              <a14:hiddenFill xmlns:a14="http://schemas.microsoft.com/office/drawing/2010/main">
-                <a:solidFill>
-                  <a:srgbClr val="FFFFFF"/>
-                </a:solidFill>
-              </a14:hiddenFill>
-            </a:ext>
-          </a:extLst>
-        </p:spPr>
-      </p:pic>
-      <p:pic>
-        <p:nvPicPr>
-          <p:cNvPr id="2082" name="Picture 34" descr="Kubirds - Home"/>
-          <p:cNvPicPr preferRelativeResize="0">
-            <a:picLocks noChangeArrowheads="1"/>
-          </p:cNvPicPr>
-          <p:nvPr/>
-        </p:nvPicPr>
-        <p:blipFill>
-          <a:blip r:embed="rId10" cstate="print">
-            <a:extLst>
-              <a:ext uri="{28A0092B-C50C-407E-A947-70E740481C1C}">
-                <a14:useLocalDpi xmlns:a14="http://schemas.microsoft.com/office/drawing/2010/main" val="0"/>
-              </a:ext>
-            </a:extLst>
-          </a:blip>
-          <a:srcRect/>
-          <a:stretch>
-            <a:fillRect/>
-          </a:stretch>
-        </p:blipFill>
-        <p:spPr bwMode="auto">
-          <a:xfrm>
-            <a:off x="6666730" y="3934755"/>
-            <a:ext cx="2286000" cy="914400"/>
-          </a:xfrm>
-          <a:prstGeom prst="rect">
-            <a:avLst/>
-          </a:prstGeom>
-          <a:noFill/>
-          <a:extLst>
-            <a:ext uri="{909E8E84-426E-40DD-AFC4-6F175D3DCCD1}">
-              <a14:hiddenFill xmlns:a14="http://schemas.microsoft.com/office/drawing/2010/main">
-                <a:solidFill>
-                  <a:srgbClr val="FFFFFF"/>
-                </a:solidFill>
-              </a14:hiddenFill>
-            </a:ext>
-          </a:extLst>
-        </p:spPr>
-      </p:pic>
-      <p:pic>
-        <p:nvPicPr>
-          <p:cNvPr id="2084" name="Picture 36" descr="Angular: Mucho más que un framework | SG Buzz"/>
-          <p:cNvPicPr>
-            <a:picLocks noChangeAspect="1" noChangeArrowheads="1"/>
-          </p:cNvPicPr>
-          <p:nvPr/>
-        </p:nvPicPr>
-        <p:blipFill>
-          <a:blip r:embed="rId11" cstate="print">
-            <a:extLst>
-              <a:ext uri="{28A0092B-C50C-407E-A947-70E740481C1C}">
-                <a14:useLocalDpi xmlns:a14="http://schemas.microsoft.com/office/drawing/2010/main" val="0"/>
-              </a:ext>
-            </a:extLst>
-          </a:blip>
-          <a:srcRect/>
-          <a:stretch>
-            <a:fillRect/>
-          </a:stretch>
-        </p:blipFill>
-        <p:spPr bwMode="auto">
-          <a:xfrm>
-            <a:off x="5206674" y="5328030"/>
-            <a:ext cx="1042416" cy="914400"/>
-          </a:xfrm>
-          <a:prstGeom prst="rect">
-            <a:avLst/>
-          </a:prstGeom>
-          <a:noFill/>
-          <a:extLst>
-            <a:ext uri="{909E8E84-426E-40DD-AFC4-6F175D3DCCD1}">
-              <a14:hiddenFill xmlns:a14="http://schemas.microsoft.com/office/drawing/2010/main">
-                <a:solidFill>
-                  <a:srgbClr val="FFFFFF"/>
-                </a:solidFill>
-              </a14:hiddenFill>
-            </a:ext>
-          </a:extLst>
-        </p:spPr>
-      </p:pic>
-      <p:pic>
-        <p:nvPicPr>
-          <p:cNvPr id="2086" name="Picture 38" descr="React - Wikipedia, la enciclopedia libre"/>
-          <p:cNvPicPr>
-            <a:picLocks noChangeAspect="1" noChangeArrowheads="1"/>
-          </p:cNvPicPr>
-          <p:nvPr/>
-        </p:nvPicPr>
-        <p:blipFill>
-          <a:blip r:embed="rId12" cstate="print">
-            <a:extLst>
-              <a:ext uri="{28A0092B-C50C-407E-A947-70E740481C1C}">
-                <a14:useLocalDpi xmlns:a14="http://schemas.microsoft.com/office/drawing/2010/main" val="0"/>
-              </a:ext>
-            </a:extLst>
-          </a:blip>
-          <a:srcRect/>
-          <a:stretch>
-            <a:fillRect/>
-          </a:stretch>
-        </p:blipFill>
-        <p:spPr bwMode="auto">
-          <a:xfrm>
-            <a:off x="6551088" y="5314604"/>
+            <a:off x="7112601" y="3601566"/>
             <a:ext cx="1052042" cy="914400"/>
           </a:xfrm>
           <a:prstGeom prst="rect">
@@ -6275,13 +5773,6 @@
   <p:clrMapOvr>
     <a:masterClrMapping/>
   </p:clrMapOvr>
-  <p:timing>
-    <p:tnLst>
-      <p:par>
-        <p:cTn id="1" dur="indefinite" restart="never" nodeType="tmRoot"/>
-      </p:par>
-    </p:tnLst>
-  </p:timing>
 </p:sld>
 </file>
 
@@ -6318,10 +5809,9 @@
           <a:lstStyle/>
           <a:p>
             <a:r>
-              <a:rPr lang="es-CO" dirty="0" smtClean="0"/>
+              <a:rPr lang="es-CO" dirty="0"/>
               <a:t>Pre-Requisitos</a:t>
             </a:r>
-            <a:endParaRPr lang="es-CO" dirty="0"/>
           </a:p>
         </p:txBody>
       </p:sp>
@@ -6348,86 +5838,86 @@
           <a:lstStyle/>
           <a:p>
             <a:r>
-              <a:rPr lang="es-CO" sz="2800" dirty="0" smtClean="0"/>
+              <a:rPr lang="es-CO" sz="2800" dirty="0"/>
               <a:t>Conocimientos</a:t>
             </a:r>
           </a:p>
           <a:p>
             <a:pPr lvl="1"/>
             <a:r>
-              <a:rPr lang="es-CO" sz="2000" dirty="0" smtClean="0"/>
+              <a:rPr lang="es-CO" sz="2000" dirty="0"/>
               <a:t>Conocimientos básicos de programación</a:t>
             </a:r>
           </a:p>
           <a:p>
             <a:pPr lvl="1"/>
             <a:r>
-              <a:rPr lang="es-CO" sz="2000" dirty="0" smtClean="0"/>
+              <a:rPr lang="es-CO" sz="2000" dirty="0"/>
               <a:t>Conocimiento básico de sentencias SQL</a:t>
             </a:r>
           </a:p>
           <a:p>
             <a:pPr lvl="1"/>
             <a:r>
-              <a:rPr lang="es-CO" sz="2000" dirty="0" smtClean="0"/>
+              <a:rPr lang="es-CO" sz="2000" dirty="0"/>
               <a:t>Conocimiento de </a:t>
             </a:r>
             <a:r>
-              <a:rPr lang="es-CO" sz="2000" dirty="0" err="1" smtClean="0"/>
+              <a:rPr lang="es-CO" sz="2000" dirty="0" err="1"/>
               <a:t>Git</a:t>
             </a:r>
             <a:r>
-              <a:rPr lang="es-CO" sz="2000" dirty="0" smtClean="0"/>
+              <a:rPr lang="es-CO" sz="2000" dirty="0"/>
               <a:t> / </a:t>
             </a:r>
             <a:r>
-              <a:rPr lang="es-CO" sz="2000" dirty="0" err="1" smtClean="0"/>
+              <a:rPr lang="es-CO" sz="2000" dirty="0" err="1"/>
               <a:t>Git</a:t>
             </a:r>
             <a:r>
-              <a:rPr lang="es-CO" sz="2000" dirty="0" smtClean="0"/>
+              <a:rPr lang="es-CO" sz="2000" dirty="0"/>
               <a:t> </a:t>
             </a:r>
             <a:r>
-              <a:rPr lang="es-CO" sz="2000" dirty="0" err="1" smtClean="0"/>
+              <a:rPr lang="es-CO" sz="2000" dirty="0" err="1"/>
               <a:t>Flow</a:t>
             </a:r>
             <a:endParaRPr lang="es-CO" sz="2000" dirty="0"/>
           </a:p>
           <a:p>
             <a:r>
-              <a:rPr lang="es-CO" sz="2400" dirty="0" smtClean="0"/>
+              <a:rPr lang="es-CO" sz="2400" dirty="0"/>
               <a:t>Herramientas</a:t>
             </a:r>
           </a:p>
           <a:p>
             <a:pPr lvl="1"/>
             <a:r>
-              <a:rPr lang="es-CO" sz="2000" dirty="0" smtClean="0"/>
+              <a:rPr lang="es-CO" sz="2000" dirty="0"/>
               <a:t>Visual Studio </a:t>
             </a:r>
             <a:r>
-              <a:rPr lang="es-CO" sz="2000" dirty="0" err="1" smtClean="0"/>
+              <a:rPr lang="es-CO" sz="2000" dirty="0" err="1"/>
               <a:t>Code</a:t>
             </a:r>
-            <a:endParaRPr lang="es-CO" sz="2000" dirty="0" smtClean="0"/>
+            <a:endParaRPr lang="es-CO" sz="2000" dirty="0"/>
           </a:p>
           <a:p>
             <a:pPr lvl="1"/>
             <a:r>
-              <a:rPr lang="es-CO" sz="2000" dirty="0" err="1" smtClean="0"/>
+              <a:rPr lang="es-CO" sz="2000" dirty="0" err="1"/>
               <a:t>Git</a:t>
             </a:r>
-            <a:endParaRPr lang="es-CO" sz="2000" dirty="0" smtClean="0"/>
+            <a:endParaRPr lang="es-CO" sz="2000" dirty="0"/>
           </a:p>
           <a:p>
             <a:pPr lvl="1"/>
             <a:r>
-              <a:rPr lang="es-CO" sz="2000" dirty="0" err="1" smtClean="0"/>
+              <a:rPr lang="es-CO" sz="2000" dirty="0" err="1"/>
               <a:t>Github</a:t>
             </a:r>
             <a:r>
-              <a:rPr lang="es-CO" sz="2000" dirty="0" smtClean="0"/>
+              <a:rPr lang="es-CO" sz="2000" dirty="0"/>
               <a:t> Desktop</a:t>
             </a:r>
           </a:p>
@@ -6561,13 +6051,6 @@
   <p:clrMapOvr>
     <a:masterClrMapping/>
   </p:clrMapOvr>
-  <p:timing>
-    <p:tnLst>
-      <p:par>
-        <p:cTn id="1" dur="indefinite" restart="never" nodeType="tmRoot"/>
-      </p:par>
-    </p:tnLst>
-  </p:timing>
 </p:sld>
 </file>
 
@@ -6604,18 +6087,17 @@
           <a:lstStyle/>
           <a:p>
             <a:r>
-              <a:rPr lang="es-CO" dirty="0" smtClean="0"/>
+              <a:rPr lang="es-CO" dirty="0"/>
               <a:t>Qué es Web </a:t>
             </a:r>
             <a:r>
-              <a:rPr lang="es-CO" dirty="0" err="1" smtClean="0"/>
+              <a:rPr lang="es-CO" dirty="0" err="1"/>
               <a:t>Development</a:t>
             </a:r>
             <a:r>
-              <a:rPr lang="es-CO" dirty="0" smtClean="0"/>
+              <a:rPr lang="es-CO" dirty="0"/>
               <a:t>?</a:t>
             </a:r>
-            <a:endParaRPr lang="es-CO" dirty="0"/>
           </a:p>
         </p:txBody>
       </p:sp>
@@ -6642,7 +6124,7 @@
           <a:lstStyle/>
           <a:p>
             <a:r>
-              <a:rPr lang="es-CO" dirty="0" smtClean="0"/>
+              <a:rPr lang="es-CO" dirty="0"/>
               <a:t>Qué significa Web?</a:t>
             </a:r>
           </a:p>
@@ -6654,25 +6136,25 @@
           </a:p>
           <a:p>
             <a:r>
-              <a:rPr lang="es-CO" dirty="0" smtClean="0"/>
+              <a:rPr lang="es-CO" dirty="0"/>
               <a:t>Una aplicación Cliente Servidor es Web?</a:t>
             </a:r>
           </a:p>
           <a:p>
             <a:r>
-              <a:rPr lang="es-CO" dirty="0" smtClean="0"/>
+              <a:rPr lang="es-CO" dirty="0"/>
               <a:t>Podría ser mi Intranet una pagina Web?</a:t>
             </a:r>
           </a:p>
           <a:p>
             <a:r>
-              <a:rPr lang="es-CO" dirty="0" smtClean="0"/>
+              <a:rPr lang="es-CO" dirty="0"/>
               <a:t>Qué es un Sitio Web?</a:t>
             </a:r>
           </a:p>
           <a:p>
             <a:r>
-              <a:rPr lang="es-CO" dirty="0" smtClean="0"/>
+              <a:rPr lang="es-CO" dirty="0"/>
               <a:t>Que es un Portal Web?</a:t>
             </a:r>
           </a:p>
@@ -7043,11 +6525,11 @@
           <a:lstStyle/>
           <a:p>
             <a:r>
-              <a:rPr lang="es-CO" dirty="0" smtClean="0"/>
+              <a:rPr lang="es-CO" dirty="0"/>
               <a:t>Web </a:t>
             </a:r>
             <a:r>
-              <a:rPr lang="es-CO" dirty="0" err="1" smtClean="0"/>
+              <a:rPr lang="es-CO" dirty="0" err="1"/>
               <a:t>Development</a:t>
             </a:r>
             <a:endParaRPr lang="es-CO" dirty="0"/>
@@ -7077,11 +6559,11 @@
           <a:lstStyle/>
           <a:p>
             <a:r>
-              <a:rPr lang="es-CO" dirty="0" smtClean="0"/>
+              <a:rPr lang="es-CO" dirty="0"/>
               <a:t>Es la </a:t>
             </a:r>
             <a:r>
-              <a:rPr lang="es-CO" b="1" dirty="0" smtClean="0">
+              <a:rPr lang="es-CO" b="1" dirty="0">
                 <a:solidFill>
                   <a:schemeClr val="accent3"/>
                 </a:solidFill>
@@ -7089,7 +6571,7 @@
               <a:t>construcción</a:t>
             </a:r>
             <a:r>
-              <a:rPr lang="es-CO" dirty="0" smtClean="0">
+              <a:rPr lang="es-CO" dirty="0">
                 <a:solidFill>
                   <a:schemeClr val="accent3"/>
                 </a:solidFill>
@@ -7097,11 +6579,11 @@
               <a:t> </a:t>
             </a:r>
             <a:r>
-              <a:rPr lang="es-CO" dirty="0" smtClean="0"/>
+              <a:rPr lang="es-CO" dirty="0"/>
               <a:t>y </a:t>
             </a:r>
             <a:r>
-              <a:rPr lang="es-CO" b="1" dirty="0" smtClean="0">
+              <a:rPr lang="es-CO" b="1" dirty="0">
                 <a:solidFill>
                   <a:schemeClr val="bg1">
                     <a:lumMod val="50000"/>
@@ -7111,7 +6593,7 @@
               <a:t>mantenimiento</a:t>
             </a:r>
             <a:r>
-              <a:rPr lang="es-CO" dirty="0" smtClean="0">
+              <a:rPr lang="es-CO" dirty="0">
                 <a:solidFill>
                   <a:schemeClr val="bg1">
                     <a:lumMod val="50000"/>
@@ -7121,11 +6603,11 @@
               <a:t> </a:t>
             </a:r>
             <a:r>
-              <a:rPr lang="es-CO" dirty="0" smtClean="0"/>
+              <a:rPr lang="es-CO" dirty="0"/>
               <a:t>de </a:t>
             </a:r>
             <a:r>
-              <a:rPr lang="es-CO" b="1" dirty="0" smtClean="0">
+              <a:rPr lang="es-CO" b="1" dirty="0">
                 <a:solidFill>
                   <a:schemeClr val="accent1"/>
                 </a:solidFill>
@@ -7133,7 +6615,7 @@
               <a:t>aplicaciones</a:t>
             </a:r>
             <a:r>
-              <a:rPr lang="es-CO" dirty="0" smtClean="0">
+              <a:rPr lang="es-CO" dirty="0">
                 <a:solidFill>
                   <a:schemeClr val="accent1"/>
                 </a:solidFill>
@@ -7141,11 +6623,11 @@
               <a:t> </a:t>
             </a:r>
             <a:r>
-              <a:rPr lang="es-CO" dirty="0" smtClean="0"/>
+              <a:rPr lang="es-CO" dirty="0"/>
               <a:t>o </a:t>
             </a:r>
             <a:r>
-              <a:rPr lang="es-CO" b="1" dirty="0" smtClean="0">
+              <a:rPr lang="es-CO" b="1" dirty="0">
                 <a:solidFill>
                   <a:schemeClr val="bg2">
                     <a:lumMod val="50000"/>
@@ -7155,7 +6637,7 @@
               <a:t>sitios</a:t>
             </a:r>
             <a:r>
-              <a:rPr lang="es-CO" dirty="0" smtClean="0">
+              <a:rPr lang="es-CO" dirty="0">
                 <a:solidFill>
                   <a:schemeClr val="bg2">
                     <a:lumMod val="50000"/>
@@ -7165,7 +6647,7 @@
               <a:t> </a:t>
             </a:r>
             <a:r>
-              <a:rPr lang="es-CO" b="1" dirty="0" smtClean="0">
+              <a:rPr lang="es-CO" b="1" dirty="0">
                 <a:solidFill>
                   <a:srgbClr val="00B050"/>
                 </a:solidFill>
@@ -7173,11 +6655,11 @@
               <a:t>Web</a:t>
             </a:r>
             <a:r>
-              <a:rPr lang="es-CO" dirty="0" smtClean="0"/>
+              <a:rPr lang="es-CO" dirty="0"/>
               <a:t>, tanto para </a:t>
             </a:r>
             <a:r>
-              <a:rPr lang="es-CO" b="1" dirty="0" smtClean="0">
+              <a:rPr lang="es-CO" b="1" dirty="0">
                 <a:solidFill>
                   <a:schemeClr val="tx2"/>
                 </a:solidFill>
@@ -7185,7 +6667,7 @@
               <a:t>Internet</a:t>
             </a:r>
             <a:r>
-              <a:rPr lang="es-CO" dirty="0" smtClean="0">
+              <a:rPr lang="es-CO" dirty="0">
                 <a:solidFill>
                   <a:schemeClr val="tx2"/>
                 </a:solidFill>
@@ -7193,11 +6675,11 @@
               <a:t> </a:t>
             </a:r>
             <a:r>
-              <a:rPr lang="es-CO" dirty="0" smtClean="0"/>
+              <a:rPr lang="es-CO" dirty="0"/>
               <a:t>o </a:t>
             </a:r>
             <a:r>
-              <a:rPr lang="es-CO" b="1" dirty="0" smtClean="0">
+              <a:rPr lang="es-CO" b="1" dirty="0">
                 <a:solidFill>
                   <a:schemeClr val="accent2"/>
                 </a:solidFill>
@@ -7205,11 +6687,11 @@
               <a:t>Intranet</a:t>
             </a:r>
             <a:r>
-              <a:rPr lang="es-CO" dirty="0" smtClean="0"/>
+              <a:rPr lang="es-CO" dirty="0"/>
               <a:t>, que involucra la interacción de </a:t>
             </a:r>
             <a:r>
-              <a:rPr lang="es-CO" b="1" dirty="0" smtClean="0">
+              <a:rPr lang="es-CO" b="1" dirty="0">
                 <a:solidFill>
                   <a:srgbClr val="FFC000"/>
                 </a:solidFill>
@@ -7217,7 +6699,7 @@
               <a:t>componentes</a:t>
             </a:r>
             <a:r>
-              <a:rPr lang="es-CO" dirty="0" smtClean="0">
+              <a:rPr lang="es-CO" dirty="0">
                 <a:solidFill>
                   <a:srgbClr val="FFC000"/>
                 </a:solidFill>
@@ -7225,11 +6707,11 @@
               <a:t> </a:t>
             </a:r>
             <a:r>
-              <a:rPr lang="es-CO" dirty="0" smtClean="0"/>
+              <a:rPr lang="es-CO" dirty="0"/>
               <a:t>de </a:t>
             </a:r>
             <a:r>
-              <a:rPr lang="es-CO" b="1" dirty="0" smtClean="0">
+              <a:rPr lang="es-CO" b="1" dirty="0">
                 <a:solidFill>
                   <a:schemeClr val="accent6"/>
                 </a:solidFill>
@@ -7237,7 +6719,7 @@
               <a:t>Front</a:t>
             </a:r>
             <a:r>
-              <a:rPr lang="es-CO" dirty="0" smtClean="0">
+              <a:rPr lang="es-CO" dirty="0">
                 <a:solidFill>
                   <a:schemeClr val="accent6"/>
                 </a:solidFill>
@@ -7245,11 +6727,11 @@
               <a:t> </a:t>
             </a:r>
             <a:r>
-              <a:rPr lang="es-CO" dirty="0" smtClean="0"/>
+              <a:rPr lang="es-CO" dirty="0"/>
               <a:t>con servicios de </a:t>
             </a:r>
             <a:r>
-              <a:rPr lang="es-CO" b="1" dirty="0" smtClean="0">
+              <a:rPr lang="es-CO" b="1" dirty="0">
                 <a:solidFill>
                   <a:srgbClr val="7030A0"/>
                 </a:solidFill>
@@ -7257,7 +6739,7 @@
               <a:t>Back</a:t>
             </a:r>
             <a:r>
-              <a:rPr lang="es-CO" dirty="0" smtClean="0"/>
+              <a:rPr lang="es-CO" dirty="0"/>
               <a:t>.</a:t>
             </a:r>
           </a:p>
@@ -7314,13 +6796,6 @@
   <p:clrMapOvr>
     <a:masterClrMapping/>
   </p:clrMapOvr>
-  <p:timing>
-    <p:tnLst>
-      <p:par>
-        <p:cTn id="1" dur="indefinite" restart="never" nodeType="tmRoot"/>
-      </p:par>
-    </p:tnLst>
-  </p:timing>
 </p:sld>
 </file>
 
